--- a/React/PPT/React-Hooks.pptx
+++ b/React/PPT/React-Hooks.pptx
@@ -5,7 +5,7 @@
     <p:sldMasterId id="2147483660" r:id="rId1"/>
   </p:sldMasterIdLst>
   <p:notesMasterIdLst>
-    <p:notesMasterId r:id="rId11"/>
+    <p:notesMasterId r:id="rId14"/>
   </p:notesMasterIdLst>
   <p:sldIdLst>
     <p:sldId id="284" r:id="rId2"/>
@@ -17,6 +17,9 @@
     <p:sldId id="288" r:id="rId8"/>
     <p:sldId id="292" r:id="rId9"/>
     <p:sldId id="287" r:id="rId10"/>
+    <p:sldId id="294" r:id="rId11"/>
+    <p:sldId id="295" r:id="rId12"/>
+    <p:sldId id="293" r:id="rId13"/>
   </p:sldIdLst>
   <p:sldSz cx="9144000" cy="6858000" type="screen4x3"/>
   <p:notesSz cx="6858000" cy="9144000"/>
@@ -217,7 +220,7 @@
             <a:fld id="{B13155C5-DA3C-4C88-9DA1-9BFC3AECD68D}" type="datetimeFigureOut">
               <a:rPr lang="en-US" smtClean="0"/>
               <a:pPr/>
-              <a:t>4/8/2024</a:t>
+              <a:t>4/11/2024</a:t>
             </a:fld>
             <a:endParaRPr lang="en-US"/>
           </a:p>
@@ -667,7 +670,7 @@
             <a:fld id="{1D8BD707-D9CF-40AE-B4C6-C98DA3205C09}" type="datetimeFigureOut">
               <a:rPr lang="en-US" smtClean="0"/>
               <a:pPr/>
-              <a:t>4/8/2024</a:t>
+              <a:t>4/11/2024</a:t>
             </a:fld>
             <a:endParaRPr lang="en-US"/>
           </a:p>
@@ -835,7 +838,7 @@
             <a:fld id="{1D8BD707-D9CF-40AE-B4C6-C98DA3205C09}" type="datetimeFigureOut">
               <a:rPr lang="en-US" smtClean="0"/>
               <a:pPr/>
-              <a:t>4/8/2024</a:t>
+              <a:t>4/11/2024</a:t>
             </a:fld>
             <a:endParaRPr lang="en-US"/>
           </a:p>
@@ -1013,7 +1016,7 @@
             <a:fld id="{1D8BD707-D9CF-40AE-B4C6-C98DA3205C09}" type="datetimeFigureOut">
               <a:rPr lang="en-US" smtClean="0"/>
               <a:pPr/>
-              <a:t>4/8/2024</a:t>
+              <a:t>4/11/2024</a:t>
             </a:fld>
             <a:endParaRPr lang="en-US"/>
           </a:p>
@@ -1181,7 +1184,7 @@
             <a:fld id="{1D8BD707-D9CF-40AE-B4C6-C98DA3205C09}" type="datetimeFigureOut">
               <a:rPr lang="en-US" smtClean="0"/>
               <a:pPr/>
-              <a:t>4/8/2024</a:t>
+              <a:t>4/11/2024</a:t>
             </a:fld>
             <a:endParaRPr lang="en-US"/>
           </a:p>
@@ -1426,7 +1429,7 @@
             <a:fld id="{1D8BD707-D9CF-40AE-B4C6-C98DA3205C09}" type="datetimeFigureOut">
               <a:rPr lang="en-US" smtClean="0"/>
               <a:pPr/>
-              <a:t>4/8/2024</a:t>
+              <a:t>4/11/2024</a:t>
             </a:fld>
             <a:endParaRPr lang="en-US"/>
           </a:p>
@@ -1711,7 +1714,7 @@
             <a:fld id="{1D8BD707-D9CF-40AE-B4C6-C98DA3205C09}" type="datetimeFigureOut">
               <a:rPr lang="en-US" smtClean="0"/>
               <a:pPr/>
-              <a:t>4/8/2024</a:t>
+              <a:t>4/11/2024</a:t>
             </a:fld>
             <a:endParaRPr lang="en-US"/>
           </a:p>
@@ -2130,7 +2133,7 @@
             <a:fld id="{1D8BD707-D9CF-40AE-B4C6-C98DA3205C09}" type="datetimeFigureOut">
               <a:rPr lang="en-US" smtClean="0"/>
               <a:pPr/>
-              <a:t>4/8/2024</a:t>
+              <a:t>4/11/2024</a:t>
             </a:fld>
             <a:endParaRPr lang="en-US"/>
           </a:p>
@@ -2247,7 +2250,7 @@
             <a:fld id="{1D8BD707-D9CF-40AE-B4C6-C98DA3205C09}" type="datetimeFigureOut">
               <a:rPr lang="en-US" smtClean="0"/>
               <a:pPr/>
-              <a:t>4/8/2024</a:t>
+              <a:t>4/11/2024</a:t>
             </a:fld>
             <a:endParaRPr lang="en-US"/>
           </a:p>
@@ -2342,7 +2345,7 @@
             <a:fld id="{1D8BD707-D9CF-40AE-B4C6-C98DA3205C09}" type="datetimeFigureOut">
               <a:rPr lang="en-US" smtClean="0"/>
               <a:pPr/>
-              <a:t>4/8/2024</a:t>
+              <a:t>4/11/2024</a:t>
             </a:fld>
             <a:endParaRPr lang="en-US"/>
           </a:p>
@@ -2617,7 +2620,7 @@
             <a:fld id="{1D8BD707-D9CF-40AE-B4C6-C98DA3205C09}" type="datetimeFigureOut">
               <a:rPr lang="en-US" smtClean="0"/>
               <a:pPr/>
-              <a:t>4/8/2024</a:t>
+              <a:t>4/11/2024</a:t>
             </a:fld>
             <a:endParaRPr lang="en-US"/>
           </a:p>
@@ -2869,7 +2872,7 @@
             <a:fld id="{1D8BD707-D9CF-40AE-B4C6-C98DA3205C09}" type="datetimeFigureOut">
               <a:rPr lang="en-US" smtClean="0"/>
               <a:pPr/>
-              <a:t>4/8/2024</a:t>
+              <a:t>4/11/2024</a:t>
             </a:fld>
             <a:endParaRPr lang="en-US"/>
           </a:p>
@@ -3080,7 +3083,7 @@
             <a:fld id="{1D8BD707-D9CF-40AE-B4C6-C98DA3205C09}" type="datetimeFigureOut">
               <a:rPr lang="en-US" smtClean="0"/>
               <a:pPr/>
-              <a:t>4/8/2024</a:t>
+              <a:t>4/11/2024</a:t>
             </a:fld>
             <a:endParaRPr lang="en-US"/>
           </a:p>
@@ -3664,6 +3667,1145 @@
         </p:txBody>
       </p:sp>
     </p:spTree>
+  </p:cSld>
+  <p:clrMapOvr>
+    <a:masterClrMapping/>
+  </p:clrMapOvr>
+  <p:transition>
+    <p:push dir="d"/>
+  </p:transition>
+</p:sld>
+</file>
+
+<file path=ppt/slides/slide10.xml><?xml version="1.0" encoding="utf-8"?>
+<p:sld xmlns:a="http://schemas.openxmlformats.org/drawingml/2006/main" xmlns:r="http://schemas.openxmlformats.org/officeDocument/2006/relationships" xmlns:p="http://schemas.openxmlformats.org/presentationml/2006/main">
+  <p:cSld>
+    <p:spTree>
+      <p:nvGrpSpPr>
+        <p:cNvPr id="1" name=""/>
+        <p:cNvGrpSpPr/>
+        <p:nvPr/>
+      </p:nvGrpSpPr>
+      <p:grpSpPr>
+        <a:xfrm>
+          <a:off x="0" y="0"/>
+          <a:ext cx="0" cy="0"/>
+          <a:chOff x="0" y="0"/>
+          <a:chExt cx="0" cy="0"/>
+        </a:xfrm>
+      </p:grpSpPr>
+      <p:sp>
+        <p:nvSpPr>
+          <p:cNvPr id="4" name="Rectangle 3"/>
+          <p:cNvSpPr/>
+          <p:nvPr/>
+        </p:nvSpPr>
+        <p:spPr>
+          <a:xfrm>
+            <a:off x="0" y="0"/>
+            <a:ext cx="9144000" cy="609600"/>
+          </a:xfrm>
+          <a:prstGeom prst="rect">
+            <a:avLst/>
+          </a:prstGeom>
+        </p:spPr>
+        <p:style>
+          <a:lnRef idx="0">
+            <a:schemeClr val="accent1"/>
+          </a:lnRef>
+          <a:fillRef idx="3">
+            <a:schemeClr val="accent1"/>
+          </a:fillRef>
+          <a:effectRef idx="3">
+            <a:schemeClr val="accent1"/>
+          </a:effectRef>
+          <a:fontRef idx="minor">
+            <a:schemeClr val="lt1"/>
+          </a:fontRef>
+        </p:style>
+        <p:txBody>
+          <a:bodyPr rtlCol="0" anchor="ctr"/>
+          <a:lstStyle/>
+          <a:p>
+            <a:pPr algn="r"/>
+            <a:r>
+              <a:rPr lang="en-US" sz="2700" dirty="0">
+                <a:latin typeface="Berlin Sans FB Demi" pitchFamily="34" charset="0"/>
+              </a:rPr>
+              <a:t>Purpose of </a:t>
+            </a:r>
+            <a:r>
+              <a:rPr lang="en-US" sz="2700" dirty="0" err="1">
+                <a:latin typeface="Berlin Sans FB Demi" pitchFamily="34" charset="0"/>
+              </a:rPr>
+              <a:t>useContext</a:t>
+            </a:r>
+            <a:endParaRPr lang="en-US" sz="2700" dirty="0">
+              <a:latin typeface="Berlin Sans FB Demi" pitchFamily="34" charset="0"/>
+            </a:endParaRPr>
+          </a:p>
+        </p:txBody>
+      </p:sp>
+      <p:sp>
+        <p:nvSpPr>
+          <p:cNvPr id="7" name="Content Placeholder 2"/>
+          <p:cNvSpPr txBox="1">
+            <a:spLocks/>
+          </p:cNvSpPr>
+          <p:nvPr/>
+        </p:nvSpPr>
+        <p:spPr>
+          <a:xfrm>
+            <a:off x="381000" y="685801"/>
+            <a:ext cx="8458200" cy="5867400"/>
+          </a:xfrm>
+          <a:prstGeom prst="rect">
+            <a:avLst/>
+          </a:prstGeom>
+        </p:spPr>
+        <p:txBody>
+          <a:bodyPr vert="horz" lIns="91440" tIns="45720" rIns="91440" bIns="45720" rtlCol="0">
+            <a:normAutofit/>
+          </a:bodyPr>
+          <a:lstStyle/>
+          <a:p>
+            <a:pPr marL="457200" indent="-457200">
+              <a:spcAft>
+                <a:spcPts val="1200"/>
+              </a:spcAft>
+              <a:buFont typeface="Wingdings" pitchFamily="2" charset="2"/>
+              <a:buChar char="§"/>
+            </a:pPr>
+            <a:r>
+              <a:rPr lang="en-US" sz="2000" dirty="0">
+                <a:solidFill>
+                  <a:schemeClr val="tx1">
+                    <a:lumMod val="65000"/>
+                    <a:lumOff val="35000"/>
+                  </a:schemeClr>
+                </a:solidFill>
+                <a:latin typeface="Arial" pitchFamily="34" charset="0"/>
+                <a:cs typeface="Arial" pitchFamily="34" charset="0"/>
+              </a:rPr>
+              <a:t>Accessing Context Values:</a:t>
+            </a:r>
+          </a:p>
+          <a:p>
+            <a:pPr marL="457200" indent="-457200">
+              <a:spcAft>
+                <a:spcPts val="1200"/>
+              </a:spcAft>
+              <a:buFont typeface="Wingdings" pitchFamily="2" charset="2"/>
+              <a:buChar char="§"/>
+            </a:pPr>
+            <a:r>
+              <a:rPr lang="en-US" sz="2000" dirty="0">
+                <a:solidFill>
+                  <a:schemeClr val="tx1">
+                    <a:lumMod val="65000"/>
+                    <a:lumOff val="35000"/>
+                  </a:schemeClr>
+                </a:solidFill>
+                <a:latin typeface="Arial" pitchFamily="34" charset="0"/>
+                <a:cs typeface="Arial" pitchFamily="34" charset="0"/>
+              </a:rPr>
+              <a:t>With </a:t>
+            </a:r>
+            <a:r>
+              <a:rPr lang="en-US" sz="2000" dirty="0" err="1">
+                <a:solidFill>
+                  <a:schemeClr val="tx1">
+                    <a:lumMod val="65000"/>
+                    <a:lumOff val="35000"/>
+                  </a:schemeClr>
+                </a:solidFill>
+                <a:latin typeface="Arial" pitchFamily="34" charset="0"/>
+                <a:cs typeface="Arial" pitchFamily="34" charset="0"/>
+              </a:rPr>
+              <a:t>useContext</a:t>
+            </a:r>
+            <a:r>
+              <a:rPr lang="en-US" sz="2000" dirty="0">
+                <a:solidFill>
+                  <a:schemeClr val="tx1">
+                    <a:lumMod val="65000"/>
+                    <a:lumOff val="35000"/>
+                  </a:schemeClr>
+                </a:solidFill>
+                <a:latin typeface="Arial" pitchFamily="34" charset="0"/>
+                <a:cs typeface="Arial" pitchFamily="34" charset="0"/>
+              </a:rPr>
+              <a:t>, you can access values stored in a React context from any component within the same context provider.</a:t>
+            </a:r>
+          </a:p>
+          <a:p>
+            <a:pPr marL="457200" indent="-457200">
+              <a:spcAft>
+                <a:spcPts val="1200"/>
+              </a:spcAft>
+              <a:buFont typeface="Wingdings" pitchFamily="2" charset="2"/>
+              <a:buChar char="§"/>
+            </a:pPr>
+            <a:r>
+              <a:rPr lang="en-US" sz="2000" dirty="0">
+                <a:solidFill>
+                  <a:schemeClr val="tx1">
+                    <a:lumMod val="65000"/>
+                    <a:lumOff val="35000"/>
+                  </a:schemeClr>
+                </a:solidFill>
+                <a:latin typeface="Arial" pitchFamily="34" charset="0"/>
+                <a:cs typeface="Arial" pitchFamily="34" charset="0"/>
+              </a:rPr>
+              <a:t>Avoiding Prop Drilling:</a:t>
+            </a:r>
+          </a:p>
+          <a:p>
+            <a:pPr marL="457200" indent="-457200">
+              <a:spcAft>
+                <a:spcPts val="1200"/>
+              </a:spcAft>
+              <a:buFont typeface="Wingdings" pitchFamily="2" charset="2"/>
+              <a:buChar char="§"/>
+            </a:pPr>
+            <a:r>
+              <a:rPr lang="en-US" sz="2000" dirty="0">
+                <a:solidFill>
+                  <a:schemeClr val="tx1">
+                    <a:lumMod val="65000"/>
+                    <a:lumOff val="35000"/>
+                  </a:schemeClr>
+                </a:solidFill>
+                <a:latin typeface="Arial" pitchFamily="34" charset="0"/>
+                <a:cs typeface="Arial" pitchFamily="34" charset="0"/>
+              </a:rPr>
+              <a:t>It helps avoid “prop drilling” which is the process of passing props down through multiple levels of components just to reach a component that needs those values.</a:t>
+            </a:r>
+          </a:p>
+          <a:p>
+            <a:pPr marL="457200" indent="-457200">
+              <a:spcAft>
+                <a:spcPts val="1200"/>
+              </a:spcAft>
+              <a:buFont typeface="Wingdings" pitchFamily="2" charset="2"/>
+              <a:buChar char="§"/>
+            </a:pPr>
+            <a:r>
+              <a:rPr lang="en-US" sz="2000" dirty="0">
+                <a:solidFill>
+                  <a:schemeClr val="tx1">
+                    <a:lumMod val="65000"/>
+                    <a:lumOff val="35000"/>
+                  </a:schemeClr>
+                </a:solidFill>
+                <a:latin typeface="Arial" pitchFamily="34" charset="0"/>
+                <a:cs typeface="Arial" pitchFamily="34" charset="0"/>
+              </a:rPr>
+              <a:t>Simplified Data Sharing:</a:t>
+            </a:r>
+          </a:p>
+          <a:p>
+            <a:pPr marL="457200" indent="-457200">
+              <a:spcAft>
+                <a:spcPts val="1200"/>
+              </a:spcAft>
+              <a:buFont typeface="Wingdings" pitchFamily="2" charset="2"/>
+              <a:buChar char="§"/>
+            </a:pPr>
+            <a:r>
+              <a:rPr lang="en-US" sz="2000" dirty="0" err="1">
+                <a:solidFill>
+                  <a:schemeClr val="tx1">
+                    <a:lumMod val="65000"/>
+                    <a:lumOff val="35000"/>
+                  </a:schemeClr>
+                </a:solidFill>
+                <a:latin typeface="Arial" pitchFamily="34" charset="0"/>
+                <a:cs typeface="Arial" pitchFamily="34" charset="0"/>
+              </a:rPr>
+              <a:t>useContext</a:t>
+            </a:r>
+            <a:r>
+              <a:rPr lang="en-US" sz="2000" dirty="0">
+                <a:solidFill>
+                  <a:schemeClr val="tx1">
+                    <a:lumMod val="65000"/>
+                    <a:lumOff val="35000"/>
+                  </a:schemeClr>
+                </a:solidFill>
+                <a:latin typeface="Arial" pitchFamily="34" charset="0"/>
+                <a:cs typeface="Arial" pitchFamily="34" charset="0"/>
+              </a:rPr>
+              <a:t> simplifies the process of sharing data or functionality across many components in your application, especially when dealing with deeply nested components.</a:t>
+            </a:r>
+          </a:p>
+        </p:txBody>
+      </p:sp>
+    </p:spTree>
+    <p:extLst>
+      <p:ext uri="{BB962C8B-B14F-4D97-AF65-F5344CB8AC3E}">
+        <p14:creationId xmlns:p14="http://schemas.microsoft.com/office/powerpoint/2010/main" val="4079403101"/>
+      </p:ext>
+    </p:extLst>
+  </p:cSld>
+  <p:clrMapOvr>
+    <a:masterClrMapping/>
+  </p:clrMapOvr>
+  <p:transition>
+    <p:push dir="d"/>
+  </p:transition>
+</p:sld>
+</file>
+
+<file path=ppt/slides/slide11.xml><?xml version="1.0" encoding="utf-8"?>
+<p:sld xmlns:a="http://schemas.openxmlformats.org/drawingml/2006/main" xmlns:r="http://schemas.openxmlformats.org/officeDocument/2006/relationships" xmlns:p="http://schemas.openxmlformats.org/presentationml/2006/main">
+  <p:cSld>
+    <p:spTree>
+      <p:nvGrpSpPr>
+        <p:cNvPr id="1" name=""/>
+        <p:cNvGrpSpPr/>
+        <p:nvPr/>
+      </p:nvGrpSpPr>
+      <p:grpSpPr>
+        <a:xfrm>
+          <a:off x="0" y="0"/>
+          <a:ext cx="0" cy="0"/>
+          <a:chOff x="0" y="0"/>
+          <a:chExt cx="0" cy="0"/>
+        </a:xfrm>
+      </p:grpSpPr>
+      <p:sp>
+        <p:nvSpPr>
+          <p:cNvPr id="4" name="Rectangle 3"/>
+          <p:cNvSpPr/>
+          <p:nvPr/>
+        </p:nvSpPr>
+        <p:spPr>
+          <a:xfrm>
+            <a:off x="0" y="0"/>
+            <a:ext cx="9144000" cy="609600"/>
+          </a:xfrm>
+          <a:prstGeom prst="rect">
+            <a:avLst/>
+          </a:prstGeom>
+        </p:spPr>
+        <p:style>
+          <a:lnRef idx="0">
+            <a:schemeClr val="accent1"/>
+          </a:lnRef>
+          <a:fillRef idx="3">
+            <a:schemeClr val="accent1"/>
+          </a:fillRef>
+          <a:effectRef idx="3">
+            <a:schemeClr val="accent1"/>
+          </a:effectRef>
+          <a:fontRef idx="minor">
+            <a:schemeClr val="lt1"/>
+          </a:fontRef>
+        </p:style>
+        <p:txBody>
+          <a:bodyPr rtlCol="0" anchor="ctr"/>
+          <a:lstStyle/>
+          <a:p>
+            <a:pPr algn="r"/>
+            <a:r>
+              <a:rPr lang="en-US" sz="2700" dirty="0">
+                <a:latin typeface="Berlin Sans FB Demi" pitchFamily="34" charset="0"/>
+              </a:rPr>
+              <a:t>Purpose of </a:t>
+            </a:r>
+            <a:r>
+              <a:rPr lang="en-US" sz="2700" dirty="0" err="1">
+                <a:latin typeface="Berlin Sans FB Demi" pitchFamily="34" charset="0"/>
+              </a:rPr>
+              <a:t>useContext</a:t>
+            </a:r>
+            <a:endParaRPr lang="en-US" sz="2700" dirty="0">
+              <a:latin typeface="Berlin Sans FB Demi" pitchFamily="34" charset="0"/>
+            </a:endParaRPr>
+          </a:p>
+        </p:txBody>
+      </p:sp>
+      <p:sp>
+        <p:nvSpPr>
+          <p:cNvPr id="7" name="Content Placeholder 2"/>
+          <p:cNvSpPr txBox="1">
+            <a:spLocks/>
+          </p:cNvSpPr>
+          <p:nvPr/>
+        </p:nvSpPr>
+        <p:spPr>
+          <a:xfrm>
+            <a:off x="381000" y="685801"/>
+            <a:ext cx="8458200" cy="5867400"/>
+          </a:xfrm>
+          <a:prstGeom prst="rect">
+            <a:avLst/>
+          </a:prstGeom>
+        </p:spPr>
+        <p:txBody>
+          <a:bodyPr vert="horz" lIns="91440" tIns="45720" rIns="91440" bIns="45720" rtlCol="0">
+            <a:normAutofit/>
+          </a:bodyPr>
+          <a:lstStyle/>
+          <a:p>
+            <a:pPr marL="457200" indent="-457200">
+              <a:spcAft>
+                <a:spcPts val="1200"/>
+              </a:spcAft>
+              <a:buFont typeface="Wingdings" pitchFamily="2" charset="2"/>
+              <a:buChar char="§"/>
+            </a:pPr>
+            <a:r>
+              <a:rPr lang="en-US" sz="2000" dirty="0">
+                <a:solidFill>
+                  <a:schemeClr val="tx1">
+                    <a:lumMod val="65000"/>
+                    <a:lumOff val="35000"/>
+                  </a:schemeClr>
+                </a:solidFill>
+                <a:latin typeface="Arial" pitchFamily="34" charset="0"/>
+                <a:cs typeface="Arial" pitchFamily="34" charset="0"/>
+              </a:rPr>
+              <a:t>Cleaner Component Structure:</a:t>
+            </a:r>
+          </a:p>
+          <a:p>
+            <a:pPr marL="457200" indent="-457200">
+              <a:spcAft>
+                <a:spcPts val="1200"/>
+              </a:spcAft>
+              <a:buFont typeface="Wingdings" pitchFamily="2" charset="2"/>
+              <a:buChar char="§"/>
+            </a:pPr>
+            <a:r>
+              <a:rPr lang="en-US" sz="2000" dirty="0">
+                <a:solidFill>
+                  <a:schemeClr val="tx1">
+                    <a:lumMod val="65000"/>
+                    <a:lumOff val="35000"/>
+                  </a:schemeClr>
+                </a:solidFill>
+                <a:latin typeface="Arial" pitchFamily="34" charset="0"/>
+                <a:cs typeface="Arial" pitchFamily="34" charset="0"/>
+              </a:rPr>
+              <a:t>By using </a:t>
+            </a:r>
+            <a:r>
+              <a:rPr lang="en-US" sz="2000" dirty="0" err="1">
+                <a:solidFill>
+                  <a:schemeClr val="tx1">
+                    <a:lumMod val="65000"/>
+                    <a:lumOff val="35000"/>
+                  </a:schemeClr>
+                </a:solidFill>
+                <a:latin typeface="Arial" pitchFamily="34" charset="0"/>
+                <a:cs typeface="Arial" pitchFamily="34" charset="0"/>
+              </a:rPr>
+              <a:t>useContext</a:t>
+            </a:r>
+            <a:r>
+              <a:rPr lang="en-US" sz="2000" dirty="0">
+                <a:solidFill>
+                  <a:schemeClr val="tx1">
+                    <a:lumMod val="65000"/>
+                    <a:lumOff val="35000"/>
+                  </a:schemeClr>
+                </a:solidFill>
+                <a:latin typeface="Arial" pitchFamily="34" charset="0"/>
+                <a:cs typeface="Arial" pitchFamily="34" charset="0"/>
+              </a:rPr>
+              <a:t>, you can keep your component tree cleaner and more readable by avoiding the clutter of passing props down through intermediary components.</a:t>
+            </a:r>
+          </a:p>
+          <a:p>
+            <a:pPr marL="457200" indent="-457200">
+              <a:spcAft>
+                <a:spcPts val="1200"/>
+              </a:spcAft>
+              <a:buFont typeface="Wingdings" pitchFamily="2" charset="2"/>
+              <a:buChar char="§"/>
+            </a:pPr>
+            <a:r>
+              <a:rPr lang="en-US" sz="2000" dirty="0">
+                <a:solidFill>
+                  <a:schemeClr val="tx1">
+                    <a:lumMod val="65000"/>
+                    <a:lumOff val="35000"/>
+                  </a:schemeClr>
+                </a:solidFill>
+                <a:latin typeface="Arial" pitchFamily="34" charset="0"/>
+                <a:cs typeface="Arial" pitchFamily="34" charset="0"/>
+              </a:rPr>
+              <a:t>Easy-to-Use API:</a:t>
+            </a:r>
+          </a:p>
+          <a:p>
+            <a:pPr marL="457200" indent="-457200">
+              <a:spcAft>
+                <a:spcPts val="1200"/>
+              </a:spcAft>
+              <a:buFont typeface="Wingdings" pitchFamily="2" charset="2"/>
+              <a:buChar char="§"/>
+            </a:pPr>
+            <a:r>
+              <a:rPr lang="en-US" sz="2000" dirty="0" err="1">
+                <a:solidFill>
+                  <a:schemeClr val="tx1">
+                    <a:lumMod val="65000"/>
+                    <a:lumOff val="35000"/>
+                  </a:schemeClr>
+                </a:solidFill>
+                <a:latin typeface="Arial" pitchFamily="34" charset="0"/>
+                <a:cs typeface="Arial" pitchFamily="34" charset="0"/>
+              </a:rPr>
+              <a:t>useContext</a:t>
+            </a:r>
+            <a:r>
+              <a:rPr lang="en-US" sz="2000" dirty="0">
+                <a:solidFill>
+                  <a:schemeClr val="tx1">
+                    <a:lumMod val="65000"/>
+                    <a:lumOff val="35000"/>
+                  </a:schemeClr>
+                </a:solidFill>
+                <a:latin typeface="Arial" pitchFamily="34" charset="0"/>
+                <a:cs typeface="Arial" pitchFamily="34" charset="0"/>
+              </a:rPr>
+              <a:t> provides a straightforward API for accessing context values within functional components, making it intuitive and easy to use.</a:t>
+            </a:r>
+          </a:p>
+          <a:p>
+            <a:pPr marL="457200" indent="-457200">
+              <a:spcAft>
+                <a:spcPts val="1200"/>
+              </a:spcAft>
+              <a:buFont typeface="Wingdings" pitchFamily="2" charset="2"/>
+              <a:buChar char="§"/>
+            </a:pPr>
+            <a:r>
+              <a:rPr lang="en-US" sz="2000" dirty="0">
+                <a:solidFill>
+                  <a:schemeClr val="tx1">
+                    <a:lumMod val="65000"/>
+                    <a:lumOff val="35000"/>
+                  </a:schemeClr>
+                </a:solidFill>
+                <a:latin typeface="Arial" pitchFamily="34" charset="0"/>
+                <a:cs typeface="Arial" pitchFamily="34" charset="0"/>
+              </a:rPr>
+              <a:t>'</a:t>
+            </a:r>
+            <a:r>
+              <a:rPr lang="en-US" sz="2000" dirty="0" err="1">
+                <a:solidFill>
+                  <a:schemeClr val="tx1">
+                    <a:lumMod val="65000"/>
+                    <a:lumOff val="35000"/>
+                  </a:schemeClr>
+                </a:solidFill>
+                <a:latin typeface="Arial" pitchFamily="34" charset="0"/>
+                <a:cs typeface="Arial" pitchFamily="34" charset="0"/>
+              </a:rPr>
+              <a:t>useContext</a:t>
+            </a:r>
+            <a:r>
+              <a:rPr lang="en-US" sz="2000">
+                <a:solidFill>
+                  <a:schemeClr val="tx1">
+                    <a:lumMod val="65000"/>
+                    <a:lumOff val="35000"/>
+                  </a:schemeClr>
+                </a:solidFill>
+                <a:latin typeface="Arial" pitchFamily="34" charset="0"/>
+                <a:cs typeface="Arial" pitchFamily="34" charset="0"/>
+              </a:rPr>
+              <a:t>' enhances the flexibility and scalability of your React applications by providing a convenient way to share and access global state or other shared data without the need for complex prop threading.</a:t>
+            </a:r>
+            <a:endParaRPr lang="en-US" sz="2000" dirty="0">
+              <a:solidFill>
+                <a:schemeClr val="tx1">
+                  <a:lumMod val="65000"/>
+                  <a:lumOff val="35000"/>
+                </a:schemeClr>
+              </a:solidFill>
+              <a:latin typeface="Arial" pitchFamily="34" charset="0"/>
+              <a:cs typeface="Arial" pitchFamily="34" charset="0"/>
+            </a:endParaRPr>
+          </a:p>
+        </p:txBody>
+      </p:sp>
+    </p:spTree>
+    <p:extLst>
+      <p:ext uri="{BB962C8B-B14F-4D97-AF65-F5344CB8AC3E}">
+        <p14:creationId xmlns:p14="http://schemas.microsoft.com/office/powerpoint/2010/main" val="3085040931"/>
+      </p:ext>
+    </p:extLst>
+  </p:cSld>
+  <p:clrMapOvr>
+    <a:masterClrMapping/>
+  </p:clrMapOvr>
+  <p:transition>
+    <p:push dir="d"/>
+  </p:transition>
+</p:sld>
+</file>
+
+<file path=ppt/slides/slide12.xml><?xml version="1.0" encoding="utf-8"?>
+<p:sld xmlns:a="http://schemas.openxmlformats.org/drawingml/2006/main" xmlns:r="http://schemas.openxmlformats.org/officeDocument/2006/relationships" xmlns:p="http://schemas.openxmlformats.org/presentationml/2006/main">
+  <p:cSld>
+    <p:spTree>
+      <p:nvGrpSpPr>
+        <p:cNvPr id="1" name=""/>
+        <p:cNvGrpSpPr/>
+        <p:nvPr/>
+      </p:nvGrpSpPr>
+      <p:grpSpPr>
+        <a:xfrm>
+          <a:off x="0" y="0"/>
+          <a:ext cx="0" cy="0"/>
+          <a:chOff x="0" y="0"/>
+          <a:chExt cx="0" cy="0"/>
+        </a:xfrm>
+      </p:grpSpPr>
+      <p:sp>
+        <p:nvSpPr>
+          <p:cNvPr id="4" name="Rectangle 3"/>
+          <p:cNvSpPr/>
+          <p:nvPr/>
+        </p:nvSpPr>
+        <p:spPr>
+          <a:xfrm>
+            <a:off x="0" y="0"/>
+            <a:ext cx="9144000" cy="609600"/>
+          </a:xfrm>
+          <a:prstGeom prst="rect">
+            <a:avLst/>
+          </a:prstGeom>
+        </p:spPr>
+        <p:style>
+          <a:lnRef idx="0">
+            <a:schemeClr val="accent1"/>
+          </a:lnRef>
+          <a:fillRef idx="3">
+            <a:schemeClr val="accent1"/>
+          </a:fillRef>
+          <a:effectRef idx="3">
+            <a:schemeClr val="accent1"/>
+          </a:effectRef>
+          <a:fontRef idx="minor">
+            <a:schemeClr val="lt1"/>
+          </a:fontRef>
+        </p:style>
+        <p:txBody>
+          <a:bodyPr rtlCol="0" anchor="ctr"/>
+          <a:lstStyle/>
+          <a:p>
+            <a:pPr algn="r"/>
+            <a:r>
+              <a:rPr lang="en-US" sz="2700" dirty="0">
+                <a:latin typeface="Berlin Sans FB Demi" pitchFamily="34" charset="0"/>
+              </a:rPr>
+              <a:t>React useReducer Hook</a:t>
+            </a:r>
+          </a:p>
+        </p:txBody>
+      </p:sp>
+      <p:sp>
+        <p:nvSpPr>
+          <p:cNvPr id="7" name="Content Placeholder 2"/>
+          <p:cNvSpPr txBox="1">
+            <a:spLocks/>
+          </p:cNvSpPr>
+          <p:nvPr/>
+        </p:nvSpPr>
+        <p:spPr>
+          <a:xfrm>
+            <a:off x="381000" y="685801"/>
+            <a:ext cx="8458200" cy="5867400"/>
+          </a:xfrm>
+          <a:prstGeom prst="rect">
+            <a:avLst/>
+          </a:prstGeom>
+        </p:spPr>
+        <p:txBody>
+          <a:bodyPr vert="horz" lIns="91440" tIns="45720" rIns="91440" bIns="45720" rtlCol="0">
+            <a:normAutofit fontScale="92500" lnSpcReduction="10000"/>
+          </a:bodyPr>
+          <a:lstStyle/>
+          <a:p>
+            <a:pPr marL="457200" indent="-457200">
+              <a:spcAft>
+                <a:spcPts val="1200"/>
+              </a:spcAft>
+              <a:buFont typeface="Wingdings" pitchFamily="2" charset="2"/>
+              <a:buChar char="§"/>
+            </a:pPr>
+            <a:r>
+              <a:rPr lang="en-US" sz="2000" dirty="0">
+                <a:solidFill>
+                  <a:schemeClr val="tx1">
+                    <a:lumMod val="65000"/>
+                    <a:lumOff val="35000"/>
+                  </a:schemeClr>
+                </a:solidFill>
+                <a:latin typeface="Arial" pitchFamily="34" charset="0"/>
+                <a:cs typeface="Arial" pitchFamily="34" charset="0"/>
+              </a:rPr>
+              <a:t>The </a:t>
+            </a:r>
+            <a:r>
+              <a:rPr lang="en-US" sz="2000" b="1" dirty="0">
+                <a:solidFill>
+                  <a:schemeClr val="tx1">
+                    <a:lumMod val="65000"/>
+                    <a:lumOff val="35000"/>
+                  </a:schemeClr>
+                </a:solidFill>
+                <a:latin typeface="Arial" pitchFamily="34" charset="0"/>
+                <a:cs typeface="Arial" pitchFamily="34" charset="0"/>
+              </a:rPr>
+              <a:t>useReducer</a:t>
+            </a:r>
+            <a:r>
+              <a:rPr lang="en-US" sz="2000" dirty="0">
+                <a:solidFill>
+                  <a:schemeClr val="tx1">
+                    <a:lumMod val="65000"/>
+                    <a:lumOff val="35000"/>
+                  </a:schemeClr>
+                </a:solidFill>
+                <a:latin typeface="Arial" pitchFamily="34" charset="0"/>
+                <a:cs typeface="Arial" pitchFamily="34" charset="0"/>
+              </a:rPr>
+              <a:t> hook is a state management hook in React that provides an alternative to the </a:t>
+            </a:r>
+            <a:r>
+              <a:rPr lang="en-US" sz="2000" b="1" dirty="0">
+                <a:solidFill>
+                  <a:schemeClr val="tx1">
+                    <a:lumMod val="65000"/>
+                    <a:lumOff val="35000"/>
+                  </a:schemeClr>
+                </a:solidFill>
+                <a:latin typeface="Arial" pitchFamily="34" charset="0"/>
+                <a:cs typeface="Arial" pitchFamily="34" charset="0"/>
+              </a:rPr>
+              <a:t>useState</a:t>
+            </a:r>
+            <a:r>
+              <a:rPr lang="en-US" sz="2000" dirty="0">
+                <a:solidFill>
+                  <a:schemeClr val="tx1">
+                    <a:lumMod val="65000"/>
+                    <a:lumOff val="35000"/>
+                  </a:schemeClr>
+                </a:solidFill>
+                <a:latin typeface="Arial" pitchFamily="34" charset="0"/>
+                <a:cs typeface="Arial" pitchFamily="34" charset="0"/>
+              </a:rPr>
+              <a:t> hook.</a:t>
+            </a:r>
+          </a:p>
+          <a:p>
+            <a:pPr marL="457200" indent="-457200">
+              <a:spcAft>
+                <a:spcPts val="1200"/>
+              </a:spcAft>
+              <a:buFont typeface="Wingdings" pitchFamily="2" charset="2"/>
+              <a:buChar char="§"/>
+            </a:pPr>
+            <a:r>
+              <a:rPr lang="en-US" sz="2000" dirty="0">
+                <a:solidFill>
+                  <a:schemeClr val="tx1">
+                    <a:lumMod val="65000"/>
+                    <a:lumOff val="35000"/>
+                  </a:schemeClr>
+                </a:solidFill>
+                <a:latin typeface="Arial" pitchFamily="34" charset="0"/>
+                <a:cs typeface="Arial" pitchFamily="34" charset="0"/>
+              </a:rPr>
+              <a:t>The </a:t>
+            </a:r>
+            <a:r>
+              <a:rPr lang="en-US" sz="2000" b="1" dirty="0">
+                <a:solidFill>
+                  <a:schemeClr val="tx1">
+                    <a:lumMod val="65000"/>
+                    <a:lumOff val="35000"/>
+                  </a:schemeClr>
+                </a:solidFill>
+                <a:latin typeface="Arial" pitchFamily="34" charset="0"/>
+                <a:cs typeface="Arial" pitchFamily="34" charset="0"/>
+              </a:rPr>
+              <a:t>useReducer</a:t>
+            </a:r>
+            <a:r>
+              <a:rPr lang="en-US" sz="2000" dirty="0">
+                <a:solidFill>
+                  <a:schemeClr val="tx1">
+                    <a:lumMod val="65000"/>
+                    <a:lumOff val="35000"/>
+                  </a:schemeClr>
+                </a:solidFill>
+                <a:latin typeface="Arial" pitchFamily="34" charset="0"/>
+                <a:cs typeface="Arial" pitchFamily="34" charset="0"/>
+              </a:rPr>
+              <a:t> Hook is the better alternative to the </a:t>
+            </a:r>
+            <a:r>
+              <a:rPr lang="en-US" sz="2000" b="1" dirty="0">
+                <a:solidFill>
+                  <a:schemeClr val="tx1">
+                    <a:lumMod val="65000"/>
+                    <a:lumOff val="35000"/>
+                  </a:schemeClr>
+                </a:solidFill>
+                <a:latin typeface="Arial" pitchFamily="34" charset="0"/>
+                <a:cs typeface="Arial" pitchFamily="34" charset="0"/>
+              </a:rPr>
+              <a:t>useState</a:t>
+            </a:r>
+            <a:r>
+              <a:rPr lang="en-US" sz="2000" dirty="0">
+                <a:solidFill>
+                  <a:schemeClr val="tx1">
+                    <a:lumMod val="65000"/>
+                    <a:lumOff val="35000"/>
+                  </a:schemeClr>
+                </a:solidFill>
+                <a:latin typeface="Arial" pitchFamily="34" charset="0"/>
+                <a:cs typeface="Arial" pitchFamily="34" charset="0"/>
+              </a:rPr>
+              <a:t> hook and is generally more preferred over the </a:t>
+            </a:r>
+            <a:r>
+              <a:rPr lang="en-US" sz="2000" b="1" dirty="0">
+                <a:solidFill>
+                  <a:schemeClr val="tx1">
+                    <a:lumMod val="65000"/>
+                    <a:lumOff val="35000"/>
+                  </a:schemeClr>
+                </a:solidFill>
+                <a:latin typeface="Arial" pitchFamily="34" charset="0"/>
+                <a:cs typeface="Arial" pitchFamily="34" charset="0"/>
+              </a:rPr>
+              <a:t>useState</a:t>
+            </a:r>
+            <a:r>
+              <a:rPr lang="en-US" sz="2000" dirty="0">
+                <a:solidFill>
+                  <a:schemeClr val="tx1">
+                    <a:lumMod val="65000"/>
+                    <a:lumOff val="35000"/>
+                  </a:schemeClr>
+                </a:solidFill>
+                <a:latin typeface="Arial" pitchFamily="34" charset="0"/>
+                <a:cs typeface="Arial" pitchFamily="34" charset="0"/>
+              </a:rPr>
+              <a:t> hook when you have complex state-building logic</a:t>
+            </a:r>
+          </a:p>
+          <a:p>
+            <a:pPr marL="457200" indent="-457200">
+              <a:spcAft>
+                <a:spcPts val="1200"/>
+              </a:spcAft>
+              <a:buFont typeface="Wingdings" pitchFamily="2" charset="2"/>
+              <a:buChar char="§"/>
+            </a:pPr>
+            <a:r>
+              <a:rPr lang="en-US" sz="2000" dirty="0">
+                <a:solidFill>
+                  <a:schemeClr val="tx1">
+                    <a:lumMod val="65000"/>
+                    <a:lumOff val="35000"/>
+                  </a:schemeClr>
+                </a:solidFill>
+                <a:latin typeface="Arial" pitchFamily="34" charset="0"/>
+                <a:cs typeface="Arial" pitchFamily="34" charset="0"/>
+              </a:rPr>
+              <a:t>The </a:t>
+            </a:r>
+            <a:r>
+              <a:rPr lang="en-US" sz="2000" b="1" dirty="0">
+                <a:solidFill>
+                  <a:schemeClr val="tx1">
+                    <a:lumMod val="65000"/>
+                    <a:lumOff val="35000"/>
+                  </a:schemeClr>
+                </a:solidFill>
+                <a:latin typeface="Arial" pitchFamily="34" charset="0"/>
+                <a:cs typeface="Arial" pitchFamily="34" charset="0"/>
+              </a:rPr>
+              <a:t>useReducer</a:t>
+            </a:r>
+            <a:r>
+              <a:rPr lang="en-US" sz="2000" dirty="0">
+                <a:solidFill>
+                  <a:schemeClr val="tx1">
+                    <a:lumMod val="65000"/>
+                    <a:lumOff val="35000"/>
+                  </a:schemeClr>
+                </a:solidFill>
+                <a:latin typeface="Arial" pitchFamily="34" charset="0"/>
+                <a:cs typeface="Arial" pitchFamily="34" charset="0"/>
+              </a:rPr>
+              <a:t> hook takes two arguments including reducer, initial state</a:t>
+            </a:r>
+          </a:p>
+          <a:p>
+            <a:pPr marL="457200" indent="-457200">
+              <a:spcAft>
+                <a:spcPts val="1200"/>
+              </a:spcAft>
+              <a:buFont typeface="Wingdings" pitchFamily="2" charset="2"/>
+              <a:buChar char="§"/>
+            </a:pPr>
+            <a:r>
+              <a:rPr lang="en-US" sz="2000" b="1" i="0" dirty="0">
+                <a:solidFill>
+                  <a:srgbClr val="273239"/>
+                </a:solidFill>
+                <a:effectLst/>
+                <a:highlight>
+                  <a:srgbClr val="FFFFFF"/>
+                </a:highlight>
+                <a:latin typeface="Nunito" pitchFamily="2" charset="0"/>
+              </a:rPr>
+              <a:t>Syntax:</a:t>
+            </a:r>
+            <a:endParaRPr lang="en-US" sz="2000" b="1" i="0" dirty="0">
+              <a:solidFill>
+                <a:schemeClr val="tx1">
+                  <a:lumMod val="65000"/>
+                  <a:lumOff val="35000"/>
+                </a:schemeClr>
+              </a:solidFill>
+              <a:effectLst/>
+              <a:highlight>
+                <a:srgbClr val="FFFFFF"/>
+              </a:highlight>
+              <a:latin typeface="Arial" pitchFamily="34" charset="0"/>
+              <a:cs typeface="Arial" pitchFamily="34" charset="0"/>
+            </a:endParaRPr>
+          </a:p>
+          <a:p>
+            <a:pPr marL="457200" indent="-457200">
+              <a:spcAft>
+                <a:spcPts val="1200"/>
+              </a:spcAft>
+              <a:buFont typeface="Wingdings" pitchFamily="2" charset="2"/>
+              <a:buChar char="§"/>
+            </a:pPr>
+            <a:r>
+              <a:rPr lang="en-US" sz="2000" b="1" dirty="0">
+                <a:solidFill>
+                  <a:schemeClr val="tx1">
+                    <a:lumMod val="65000"/>
+                    <a:lumOff val="35000"/>
+                  </a:schemeClr>
+                </a:solidFill>
+                <a:latin typeface="Arial" pitchFamily="34" charset="0"/>
+                <a:cs typeface="Arial" pitchFamily="34" charset="0"/>
+              </a:rPr>
+              <a:t>const [state, dispatch] = useReducer(reducer, initialState);</a:t>
+            </a:r>
+          </a:p>
+          <a:p>
+            <a:pPr marL="457200" indent="-457200">
+              <a:spcAft>
+                <a:spcPts val="1200"/>
+              </a:spcAft>
+              <a:buFont typeface="Wingdings" pitchFamily="2" charset="2"/>
+              <a:buChar char="§"/>
+            </a:pPr>
+            <a:r>
+              <a:rPr lang="en-US" sz="2000" b="1" dirty="0">
+                <a:solidFill>
+                  <a:schemeClr val="tx1">
+                    <a:lumMod val="65000"/>
+                    <a:lumOff val="35000"/>
+                  </a:schemeClr>
+                </a:solidFill>
+                <a:latin typeface="Arial" pitchFamily="34" charset="0"/>
+                <a:cs typeface="Arial" pitchFamily="34" charset="0"/>
+              </a:rPr>
+              <a:t>reducer: </a:t>
+            </a:r>
+            <a:r>
+              <a:rPr lang="en-US" sz="2000" dirty="0">
+                <a:solidFill>
+                  <a:schemeClr val="tx1">
+                    <a:lumMod val="65000"/>
+                    <a:lumOff val="35000"/>
+                  </a:schemeClr>
+                </a:solidFill>
+                <a:latin typeface="Arial" pitchFamily="34" charset="0"/>
+                <a:cs typeface="Arial" pitchFamily="34" charset="0"/>
+              </a:rPr>
+              <a:t>The reducer is a function responsible for defining how the state transitions from one state to another based on dispatched actions. It takes two arguments: the current state and the action being dispatched.</a:t>
+            </a:r>
+          </a:p>
+          <a:p>
+            <a:pPr marL="457200" indent="-457200">
+              <a:spcAft>
+                <a:spcPts val="1200"/>
+              </a:spcAft>
+              <a:buFont typeface="Wingdings" pitchFamily="2" charset="2"/>
+              <a:buChar char="§"/>
+            </a:pPr>
+            <a:r>
+              <a:rPr lang="en-US" sz="2000" b="1" dirty="0">
+                <a:solidFill>
+                  <a:schemeClr val="tx1">
+                    <a:lumMod val="65000"/>
+                    <a:lumOff val="35000"/>
+                  </a:schemeClr>
+                </a:solidFill>
+                <a:latin typeface="Arial" pitchFamily="34" charset="0"/>
+                <a:cs typeface="Arial" pitchFamily="34" charset="0"/>
+              </a:rPr>
+              <a:t>initialSate</a:t>
+            </a:r>
+            <a:r>
+              <a:rPr lang="en-US" sz="2000" dirty="0">
+                <a:solidFill>
+                  <a:schemeClr val="tx1">
+                    <a:lumMod val="65000"/>
+                    <a:lumOff val="35000"/>
+                  </a:schemeClr>
+                </a:solidFill>
+                <a:latin typeface="Arial" pitchFamily="34" charset="0"/>
+                <a:cs typeface="Arial" pitchFamily="34" charset="0"/>
+              </a:rPr>
+              <a:t>: initialState is the initial state value for the state managed by the reducer. It can be of any data type: object, array, number, string, etc.</a:t>
+            </a:r>
+          </a:p>
+          <a:p>
+            <a:pPr marL="457200" indent="-457200">
+              <a:spcAft>
+                <a:spcPts val="1200"/>
+              </a:spcAft>
+              <a:buFont typeface="Wingdings" pitchFamily="2" charset="2"/>
+              <a:buChar char="§"/>
+            </a:pPr>
+            <a:r>
+              <a:rPr lang="en-US" sz="2000" dirty="0">
+                <a:solidFill>
+                  <a:schemeClr val="tx1">
+                    <a:lumMod val="65000"/>
+                    <a:lumOff val="35000"/>
+                  </a:schemeClr>
+                </a:solidFill>
+                <a:latin typeface="Arial" pitchFamily="34" charset="0"/>
+                <a:cs typeface="Arial" pitchFamily="34" charset="0"/>
+              </a:rPr>
+              <a:t>The function which contains all your state updates is called the </a:t>
+            </a:r>
+            <a:r>
+              <a:rPr lang="en-US" sz="2000" b="1" dirty="0">
+                <a:solidFill>
+                  <a:schemeClr val="tx1">
+                    <a:lumMod val="65000"/>
+                    <a:lumOff val="35000"/>
+                  </a:schemeClr>
+                </a:solidFill>
+                <a:latin typeface="Arial" pitchFamily="34" charset="0"/>
+                <a:cs typeface="Arial" pitchFamily="34" charset="0"/>
+              </a:rPr>
+              <a:t>reducer</a:t>
+            </a:r>
+            <a:r>
+              <a:rPr lang="en-US" sz="2000" dirty="0">
+                <a:solidFill>
+                  <a:schemeClr val="tx1">
+                    <a:lumMod val="65000"/>
+                    <a:lumOff val="35000"/>
+                  </a:schemeClr>
+                </a:solidFill>
+                <a:latin typeface="Arial" pitchFamily="34" charset="0"/>
+                <a:cs typeface="Arial" pitchFamily="34" charset="0"/>
+              </a:rPr>
+              <a:t>.</a:t>
+            </a:r>
+          </a:p>
+          <a:p>
+            <a:pPr marL="457200" indent="-457200">
+              <a:spcAft>
+                <a:spcPts val="1200"/>
+              </a:spcAft>
+              <a:buFont typeface="Wingdings" pitchFamily="2" charset="2"/>
+              <a:buChar char="§"/>
+            </a:pPr>
+            <a:r>
+              <a:rPr lang="en-US" sz="2000" dirty="0">
+                <a:solidFill>
+                  <a:schemeClr val="tx1">
+                    <a:lumMod val="65000"/>
+                    <a:lumOff val="35000"/>
+                  </a:schemeClr>
+                </a:solidFill>
+                <a:latin typeface="Arial" pitchFamily="34" charset="0"/>
+                <a:cs typeface="Arial" pitchFamily="34" charset="0"/>
+              </a:rPr>
+              <a:t>The method you call to perform the operations is the </a:t>
+            </a:r>
+            <a:r>
+              <a:rPr lang="en-US" sz="2000" b="1" dirty="0">
+                <a:solidFill>
+                  <a:schemeClr val="tx1">
+                    <a:lumMod val="65000"/>
+                    <a:lumOff val="35000"/>
+                  </a:schemeClr>
+                </a:solidFill>
+                <a:latin typeface="Arial" pitchFamily="34" charset="0"/>
+                <a:cs typeface="Arial" pitchFamily="34" charset="0"/>
+              </a:rPr>
+              <a:t>dispatch</a:t>
+            </a:r>
+            <a:r>
+              <a:rPr lang="en-US" sz="2000" dirty="0">
+                <a:solidFill>
+                  <a:schemeClr val="tx1">
+                    <a:lumMod val="65000"/>
+                    <a:lumOff val="35000"/>
+                  </a:schemeClr>
+                </a:solidFill>
+                <a:latin typeface="Arial" pitchFamily="34" charset="0"/>
+                <a:cs typeface="Arial" pitchFamily="34" charset="0"/>
+              </a:rPr>
+              <a:t> method.</a:t>
+            </a:r>
+          </a:p>
+          <a:p>
+            <a:pPr marL="457200" indent="-457200">
+              <a:spcAft>
+                <a:spcPts val="1200"/>
+              </a:spcAft>
+              <a:buFont typeface="Wingdings" pitchFamily="2" charset="2"/>
+              <a:buChar char="§"/>
+            </a:pPr>
+            <a:endParaRPr lang="en-US" sz="2000" dirty="0">
+              <a:solidFill>
+                <a:schemeClr val="tx1">
+                  <a:lumMod val="65000"/>
+                  <a:lumOff val="35000"/>
+                </a:schemeClr>
+              </a:solidFill>
+              <a:latin typeface="Arial" pitchFamily="34" charset="0"/>
+              <a:cs typeface="Arial" pitchFamily="34" charset="0"/>
+            </a:endParaRPr>
+          </a:p>
+        </p:txBody>
+      </p:sp>
+    </p:spTree>
+    <p:extLst>
+      <p:ext uri="{BB962C8B-B14F-4D97-AF65-F5344CB8AC3E}">
+        <p14:creationId xmlns:p14="http://schemas.microsoft.com/office/powerpoint/2010/main" val="4019957755"/>
+      </p:ext>
+    </p:extLst>
   </p:cSld>
   <p:clrMapOvr>
     <a:masterClrMapping/>

--- a/React/PPT/React-Hooks.pptx
+++ b/React/PPT/React-Hooks.pptx
@@ -5,7 +5,7 @@
     <p:sldMasterId id="2147483660" r:id="rId1"/>
   </p:sldMasterIdLst>
   <p:notesMasterIdLst>
-    <p:notesMasterId r:id="rId14"/>
+    <p:notesMasterId r:id="rId11"/>
   </p:notesMasterIdLst>
   <p:sldIdLst>
     <p:sldId id="284" r:id="rId2"/>
@@ -17,9 +17,6 @@
     <p:sldId id="288" r:id="rId8"/>
     <p:sldId id="292" r:id="rId9"/>
     <p:sldId id="287" r:id="rId10"/>
-    <p:sldId id="294" r:id="rId11"/>
-    <p:sldId id="295" r:id="rId12"/>
-    <p:sldId id="293" r:id="rId13"/>
   </p:sldIdLst>
   <p:sldSz cx="9144000" cy="6858000" type="screen4x3"/>
   <p:notesSz cx="6858000" cy="9144000"/>
@@ -220,7 +217,7 @@
             <a:fld id="{B13155C5-DA3C-4C88-9DA1-9BFC3AECD68D}" type="datetimeFigureOut">
               <a:rPr lang="en-US" smtClean="0"/>
               <a:pPr/>
-              <a:t>4/11/2024</a:t>
+              <a:t>4/8/2024</a:t>
             </a:fld>
             <a:endParaRPr lang="en-US"/>
           </a:p>
@@ -670,7 +667,7 @@
             <a:fld id="{1D8BD707-D9CF-40AE-B4C6-C98DA3205C09}" type="datetimeFigureOut">
               <a:rPr lang="en-US" smtClean="0"/>
               <a:pPr/>
-              <a:t>4/11/2024</a:t>
+              <a:t>4/8/2024</a:t>
             </a:fld>
             <a:endParaRPr lang="en-US"/>
           </a:p>
@@ -838,7 +835,7 @@
             <a:fld id="{1D8BD707-D9CF-40AE-B4C6-C98DA3205C09}" type="datetimeFigureOut">
               <a:rPr lang="en-US" smtClean="0"/>
               <a:pPr/>
-              <a:t>4/11/2024</a:t>
+              <a:t>4/8/2024</a:t>
             </a:fld>
             <a:endParaRPr lang="en-US"/>
           </a:p>
@@ -1016,7 +1013,7 @@
             <a:fld id="{1D8BD707-D9CF-40AE-B4C6-C98DA3205C09}" type="datetimeFigureOut">
               <a:rPr lang="en-US" smtClean="0"/>
               <a:pPr/>
-              <a:t>4/11/2024</a:t>
+              <a:t>4/8/2024</a:t>
             </a:fld>
             <a:endParaRPr lang="en-US"/>
           </a:p>
@@ -1184,7 +1181,7 @@
             <a:fld id="{1D8BD707-D9CF-40AE-B4C6-C98DA3205C09}" type="datetimeFigureOut">
               <a:rPr lang="en-US" smtClean="0"/>
               <a:pPr/>
-              <a:t>4/11/2024</a:t>
+              <a:t>4/8/2024</a:t>
             </a:fld>
             <a:endParaRPr lang="en-US"/>
           </a:p>
@@ -1429,7 +1426,7 @@
             <a:fld id="{1D8BD707-D9CF-40AE-B4C6-C98DA3205C09}" type="datetimeFigureOut">
               <a:rPr lang="en-US" smtClean="0"/>
               <a:pPr/>
-              <a:t>4/11/2024</a:t>
+              <a:t>4/8/2024</a:t>
             </a:fld>
             <a:endParaRPr lang="en-US"/>
           </a:p>
@@ -1714,7 +1711,7 @@
             <a:fld id="{1D8BD707-D9CF-40AE-B4C6-C98DA3205C09}" type="datetimeFigureOut">
               <a:rPr lang="en-US" smtClean="0"/>
               <a:pPr/>
-              <a:t>4/11/2024</a:t>
+              <a:t>4/8/2024</a:t>
             </a:fld>
             <a:endParaRPr lang="en-US"/>
           </a:p>
@@ -2133,7 +2130,7 @@
             <a:fld id="{1D8BD707-D9CF-40AE-B4C6-C98DA3205C09}" type="datetimeFigureOut">
               <a:rPr lang="en-US" smtClean="0"/>
               <a:pPr/>
-              <a:t>4/11/2024</a:t>
+              <a:t>4/8/2024</a:t>
             </a:fld>
             <a:endParaRPr lang="en-US"/>
           </a:p>
@@ -2250,7 +2247,7 @@
             <a:fld id="{1D8BD707-D9CF-40AE-B4C6-C98DA3205C09}" type="datetimeFigureOut">
               <a:rPr lang="en-US" smtClean="0"/>
               <a:pPr/>
-              <a:t>4/11/2024</a:t>
+              <a:t>4/8/2024</a:t>
             </a:fld>
             <a:endParaRPr lang="en-US"/>
           </a:p>
@@ -2345,7 +2342,7 @@
             <a:fld id="{1D8BD707-D9CF-40AE-B4C6-C98DA3205C09}" type="datetimeFigureOut">
               <a:rPr lang="en-US" smtClean="0"/>
               <a:pPr/>
-              <a:t>4/11/2024</a:t>
+              <a:t>4/8/2024</a:t>
             </a:fld>
             <a:endParaRPr lang="en-US"/>
           </a:p>
@@ -2620,7 +2617,7 @@
             <a:fld id="{1D8BD707-D9CF-40AE-B4C6-C98DA3205C09}" type="datetimeFigureOut">
               <a:rPr lang="en-US" smtClean="0"/>
               <a:pPr/>
-              <a:t>4/11/2024</a:t>
+              <a:t>4/8/2024</a:t>
             </a:fld>
             <a:endParaRPr lang="en-US"/>
           </a:p>
@@ -2872,7 +2869,7 @@
             <a:fld id="{1D8BD707-D9CF-40AE-B4C6-C98DA3205C09}" type="datetimeFigureOut">
               <a:rPr lang="en-US" smtClean="0"/>
               <a:pPr/>
-              <a:t>4/11/2024</a:t>
+              <a:t>4/8/2024</a:t>
             </a:fld>
             <a:endParaRPr lang="en-US"/>
           </a:p>
@@ -3083,7 +3080,7 @@
             <a:fld id="{1D8BD707-D9CF-40AE-B4C6-C98DA3205C09}" type="datetimeFigureOut">
               <a:rPr lang="en-US" smtClean="0"/>
               <a:pPr/>
-              <a:t>4/11/2024</a:t>
+              <a:t>4/8/2024</a:t>
             </a:fld>
             <a:endParaRPr lang="en-US"/>
           </a:p>
@@ -3667,1145 +3664,6 @@
         </p:txBody>
       </p:sp>
     </p:spTree>
-  </p:cSld>
-  <p:clrMapOvr>
-    <a:masterClrMapping/>
-  </p:clrMapOvr>
-  <p:transition>
-    <p:push dir="d"/>
-  </p:transition>
-</p:sld>
-</file>
-
-<file path=ppt/slides/slide10.xml><?xml version="1.0" encoding="utf-8"?>
-<p:sld xmlns:a="http://schemas.openxmlformats.org/drawingml/2006/main" xmlns:r="http://schemas.openxmlformats.org/officeDocument/2006/relationships" xmlns:p="http://schemas.openxmlformats.org/presentationml/2006/main">
-  <p:cSld>
-    <p:spTree>
-      <p:nvGrpSpPr>
-        <p:cNvPr id="1" name=""/>
-        <p:cNvGrpSpPr/>
-        <p:nvPr/>
-      </p:nvGrpSpPr>
-      <p:grpSpPr>
-        <a:xfrm>
-          <a:off x="0" y="0"/>
-          <a:ext cx="0" cy="0"/>
-          <a:chOff x="0" y="0"/>
-          <a:chExt cx="0" cy="0"/>
-        </a:xfrm>
-      </p:grpSpPr>
-      <p:sp>
-        <p:nvSpPr>
-          <p:cNvPr id="4" name="Rectangle 3"/>
-          <p:cNvSpPr/>
-          <p:nvPr/>
-        </p:nvSpPr>
-        <p:spPr>
-          <a:xfrm>
-            <a:off x="0" y="0"/>
-            <a:ext cx="9144000" cy="609600"/>
-          </a:xfrm>
-          <a:prstGeom prst="rect">
-            <a:avLst/>
-          </a:prstGeom>
-        </p:spPr>
-        <p:style>
-          <a:lnRef idx="0">
-            <a:schemeClr val="accent1"/>
-          </a:lnRef>
-          <a:fillRef idx="3">
-            <a:schemeClr val="accent1"/>
-          </a:fillRef>
-          <a:effectRef idx="3">
-            <a:schemeClr val="accent1"/>
-          </a:effectRef>
-          <a:fontRef idx="minor">
-            <a:schemeClr val="lt1"/>
-          </a:fontRef>
-        </p:style>
-        <p:txBody>
-          <a:bodyPr rtlCol="0" anchor="ctr"/>
-          <a:lstStyle/>
-          <a:p>
-            <a:pPr algn="r"/>
-            <a:r>
-              <a:rPr lang="en-US" sz="2700" dirty="0">
-                <a:latin typeface="Berlin Sans FB Demi" pitchFamily="34" charset="0"/>
-              </a:rPr>
-              <a:t>Purpose of </a:t>
-            </a:r>
-            <a:r>
-              <a:rPr lang="en-US" sz="2700" dirty="0" err="1">
-                <a:latin typeface="Berlin Sans FB Demi" pitchFamily="34" charset="0"/>
-              </a:rPr>
-              <a:t>useContext</a:t>
-            </a:r>
-            <a:endParaRPr lang="en-US" sz="2700" dirty="0">
-              <a:latin typeface="Berlin Sans FB Demi" pitchFamily="34" charset="0"/>
-            </a:endParaRPr>
-          </a:p>
-        </p:txBody>
-      </p:sp>
-      <p:sp>
-        <p:nvSpPr>
-          <p:cNvPr id="7" name="Content Placeholder 2"/>
-          <p:cNvSpPr txBox="1">
-            <a:spLocks/>
-          </p:cNvSpPr>
-          <p:nvPr/>
-        </p:nvSpPr>
-        <p:spPr>
-          <a:xfrm>
-            <a:off x="381000" y="685801"/>
-            <a:ext cx="8458200" cy="5867400"/>
-          </a:xfrm>
-          <a:prstGeom prst="rect">
-            <a:avLst/>
-          </a:prstGeom>
-        </p:spPr>
-        <p:txBody>
-          <a:bodyPr vert="horz" lIns="91440" tIns="45720" rIns="91440" bIns="45720" rtlCol="0">
-            <a:normAutofit/>
-          </a:bodyPr>
-          <a:lstStyle/>
-          <a:p>
-            <a:pPr marL="457200" indent="-457200">
-              <a:spcAft>
-                <a:spcPts val="1200"/>
-              </a:spcAft>
-              <a:buFont typeface="Wingdings" pitchFamily="2" charset="2"/>
-              <a:buChar char="§"/>
-            </a:pPr>
-            <a:r>
-              <a:rPr lang="en-US" sz="2000" dirty="0">
-                <a:solidFill>
-                  <a:schemeClr val="tx1">
-                    <a:lumMod val="65000"/>
-                    <a:lumOff val="35000"/>
-                  </a:schemeClr>
-                </a:solidFill>
-                <a:latin typeface="Arial" pitchFamily="34" charset="0"/>
-                <a:cs typeface="Arial" pitchFamily="34" charset="0"/>
-              </a:rPr>
-              <a:t>Accessing Context Values:</a:t>
-            </a:r>
-          </a:p>
-          <a:p>
-            <a:pPr marL="457200" indent="-457200">
-              <a:spcAft>
-                <a:spcPts val="1200"/>
-              </a:spcAft>
-              <a:buFont typeface="Wingdings" pitchFamily="2" charset="2"/>
-              <a:buChar char="§"/>
-            </a:pPr>
-            <a:r>
-              <a:rPr lang="en-US" sz="2000" dirty="0">
-                <a:solidFill>
-                  <a:schemeClr val="tx1">
-                    <a:lumMod val="65000"/>
-                    <a:lumOff val="35000"/>
-                  </a:schemeClr>
-                </a:solidFill>
-                <a:latin typeface="Arial" pitchFamily="34" charset="0"/>
-                <a:cs typeface="Arial" pitchFamily="34" charset="0"/>
-              </a:rPr>
-              <a:t>With </a:t>
-            </a:r>
-            <a:r>
-              <a:rPr lang="en-US" sz="2000" dirty="0" err="1">
-                <a:solidFill>
-                  <a:schemeClr val="tx1">
-                    <a:lumMod val="65000"/>
-                    <a:lumOff val="35000"/>
-                  </a:schemeClr>
-                </a:solidFill>
-                <a:latin typeface="Arial" pitchFamily="34" charset="0"/>
-                <a:cs typeface="Arial" pitchFamily="34" charset="0"/>
-              </a:rPr>
-              <a:t>useContext</a:t>
-            </a:r>
-            <a:r>
-              <a:rPr lang="en-US" sz="2000" dirty="0">
-                <a:solidFill>
-                  <a:schemeClr val="tx1">
-                    <a:lumMod val="65000"/>
-                    <a:lumOff val="35000"/>
-                  </a:schemeClr>
-                </a:solidFill>
-                <a:latin typeface="Arial" pitchFamily="34" charset="0"/>
-                <a:cs typeface="Arial" pitchFamily="34" charset="0"/>
-              </a:rPr>
-              <a:t>, you can access values stored in a React context from any component within the same context provider.</a:t>
-            </a:r>
-          </a:p>
-          <a:p>
-            <a:pPr marL="457200" indent="-457200">
-              <a:spcAft>
-                <a:spcPts val="1200"/>
-              </a:spcAft>
-              <a:buFont typeface="Wingdings" pitchFamily="2" charset="2"/>
-              <a:buChar char="§"/>
-            </a:pPr>
-            <a:r>
-              <a:rPr lang="en-US" sz="2000" dirty="0">
-                <a:solidFill>
-                  <a:schemeClr val="tx1">
-                    <a:lumMod val="65000"/>
-                    <a:lumOff val="35000"/>
-                  </a:schemeClr>
-                </a:solidFill>
-                <a:latin typeface="Arial" pitchFamily="34" charset="0"/>
-                <a:cs typeface="Arial" pitchFamily="34" charset="0"/>
-              </a:rPr>
-              <a:t>Avoiding Prop Drilling:</a:t>
-            </a:r>
-          </a:p>
-          <a:p>
-            <a:pPr marL="457200" indent="-457200">
-              <a:spcAft>
-                <a:spcPts val="1200"/>
-              </a:spcAft>
-              <a:buFont typeface="Wingdings" pitchFamily="2" charset="2"/>
-              <a:buChar char="§"/>
-            </a:pPr>
-            <a:r>
-              <a:rPr lang="en-US" sz="2000" dirty="0">
-                <a:solidFill>
-                  <a:schemeClr val="tx1">
-                    <a:lumMod val="65000"/>
-                    <a:lumOff val="35000"/>
-                  </a:schemeClr>
-                </a:solidFill>
-                <a:latin typeface="Arial" pitchFamily="34" charset="0"/>
-                <a:cs typeface="Arial" pitchFamily="34" charset="0"/>
-              </a:rPr>
-              <a:t>It helps avoid “prop drilling” which is the process of passing props down through multiple levels of components just to reach a component that needs those values.</a:t>
-            </a:r>
-          </a:p>
-          <a:p>
-            <a:pPr marL="457200" indent="-457200">
-              <a:spcAft>
-                <a:spcPts val="1200"/>
-              </a:spcAft>
-              <a:buFont typeface="Wingdings" pitchFamily="2" charset="2"/>
-              <a:buChar char="§"/>
-            </a:pPr>
-            <a:r>
-              <a:rPr lang="en-US" sz="2000" dirty="0">
-                <a:solidFill>
-                  <a:schemeClr val="tx1">
-                    <a:lumMod val="65000"/>
-                    <a:lumOff val="35000"/>
-                  </a:schemeClr>
-                </a:solidFill>
-                <a:latin typeface="Arial" pitchFamily="34" charset="0"/>
-                <a:cs typeface="Arial" pitchFamily="34" charset="0"/>
-              </a:rPr>
-              <a:t>Simplified Data Sharing:</a:t>
-            </a:r>
-          </a:p>
-          <a:p>
-            <a:pPr marL="457200" indent="-457200">
-              <a:spcAft>
-                <a:spcPts val="1200"/>
-              </a:spcAft>
-              <a:buFont typeface="Wingdings" pitchFamily="2" charset="2"/>
-              <a:buChar char="§"/>
-            </a:pPr>
-            <a:r>
-              <a:rPr lang="en-US" sz="2000" dirty="0" err="1">
-                <a:solidFill>
-                  <a:schemeClr val="tx1">
-                    <a:lumMod val="65000"/>
-                    <a:lumOff val="35000"/>
-                  </a:schemeClr>
-                </a:solidFill>
-                <a:latin typeface="Arial" pitchFamily="34" charset="0"/>
-                <a:cs typeface="Arial" pitchFamily="34" charset="0"/>
-              </a:rPr>
-              <a:t>useContext</a:t>
-            </a:r>
-            <a:r>
-              <a:rPr lang="en-US" sz="2000" dirty="0">
-                <a:solidFill>
-                  <a:schemeClr val="tx1">
-                    <a:lumMod val="65000"/>
-                    <a:lumOff val="35000"/>
-                  </a:schemeClr>
-                </a:solidFill>
-                <a:latin typeface="Arial" pitchFamily="34" charset="0"/>
-                <a:cs typeface="Arial" pitchFamily="34" charset="0"/>
-              </a:rPr>
-              <a:t> simplifies the process of sharing data or functionality across many components in your application, especially when dealing with deeply nested components.</a:t>
-            </a:r>
-          </a:p>
-        </p:txBody>
-      </p:sp>
-    </p:spTree>
-    <p:extLst>
-      <p:ext uri="{BB962C8B-B14F-4D97-AF65-F5344CB8AC3E}">
-        <p14:creationId xmlns:p14="http://schemas.microsoft.com/office/powerpoint/2010/main" val="4079403101"/>
-      </p:ext>
-    </p:extLst>
-  </p:cSld>
-  <p:clrMapOvr>
-    <a:masterClrMapping/>
-  </p:clrMapOvr>
-  <p:transition>
-    <p:push dir="d"/>
-  </p:transition>
-</p:sld>
-</file>
-
-<file path=ppt/slides/slide11.xml><?xml version="1.0" encoding="utf-8"?>
-<p:sld xmlns:a="http://schemas.openxmlformats.org/drawingml/2006/main" xmlns:r="http://schemas.openxmlformats.org/officeDocument/2006/relationships" xmlns:p="http://schemas.openxmlformats.org/presentationml/2006/main">
-  <p:cSld>
-    <p:spTree>
-      <p:nvGrpSpPr>
-        <p:cNvPr id="1" name=""/>
-        <p:cNvGrpSpPr/>
-        <p:nvPr/>
-      </p:nvGrpSpPr>
-      <p:grpSpPr>
-        <a:xfrm>
-          <a:off x="0" y="0"/>
-          <a:ext cx="0" cy="0"/>
-          <a:chOff x="0" y="0"/>
-          <a:chExt cx="0" cy="0"/>
-        </a:xfrm>
-      </p:grpSpPr>
-      <p:sp>
-        <p:nvSpPr>
-          <p:cNvPr id="4" name="Rectangle 3"/>
-          <p:cNvSpPr/>
-          <p:nvPr/>
-        </p:nvSpPr>
-        <p:spPr>
-          <a:xfrm>
-            <a:off x="0" y="0"/>
-            <a:ext cx="9144000" cy="609600"/>
-          </a:xfrm>
-          <a:prstGeom prst="rect">
-            <a:avLst/>
-          </a:prstGeom>
-        </p:spPr>
-        <p:style>
-          <a:lnRef idx="0">
-            <a:schemeClr val="accent1"/>
-          </a:lnRef>
-          <a:fillRef idx="3">
-            <a:schemeClr val="accent1"/>
-          </a:fillRef>
-          <a:effectRef idx="3">
-            <a:schemeClr val="accent1"/>
-          </a:effectRef>
-          <a:fontRef idx="minor">
-            <a:schemeClr val="lt1"/>
-          </a:fontRef>
-        </p:style>
-        <p:txBody>
-          <a:bodyPr rtlCol="0" anchor="ctr"/>
-          <a:lstStyle/>
-          <a:p>
-            <a:pPr algn="r"/>
-            <a:r>
-              <a:rPr lang="en-US" sz="2700" dirty="0">
-                <a:latin typeface="Berlin Sans FB Demi" pitchFamily="34" charset="0"/>
-              </a:rPr>
-              <a:t>Purpose of </a:t>
-            </a:r>
-            <a:r>
-              <a:rPr lang="en-US" sz="2700" dirty="0" err="1">
-                <a:latin typeface="Berlin Sans FB Demi" pitchFamily="34" charset="0"/>
-              </a:rPr>
-              <a:t>useContext</a:t>
-            </a:r>
-            <a:endParaRPr lang="en-US" sz="2700" dirty="0">
-              <a:latin typeface="Berlin Sans FB Demi" pitchFamily="34" charset="0"/>
-            </a:endParaRPr>
-          </a:p>
-        </p:txBody>
-      </p:sp>
-      <p:sp>
-        <p:nvSpPr>
-          <p:cNvPr id="7" name="Content Placeholder 2"/>
-          <p:cNvSpPr txBox="1">
-            <a:spLocks/>
-          </p:cNvSpPr>
-          <p:nvPr/>
-        </p:nvSpPr>
-        <p:spPr>
-          <a:xfrm>
-            <a:off x="381000" y="685801"/>
-            <a:ext cx="8458200" cy="5867400"/>
-          </a:xfrm>
-          <a:prstGeom prst="rect">
-            <a:avLst/>
-          </a:prstGeom>
-        </p:spPr>
-        <p:txBody>
-          <a:bodyPr vert="horz" lIns="91440" tIns="45720" rIns="91440" bIns="45720" rtlCol="0">
-            <a:normAutofit/>
-          </a:bodyPr>
-          <a:lstStyle/>
-          <a:p>
-            <a:pPr marL="457200" indent="-457200">
-              <a:spcAft>
-                <a:spcPts val="1200"/>
-              </a:spcAft>
-              <a:buFont typeface="Wingdings" pitchFamily="2" charset="2"/>
-              <a:buChar char="§"/>
-            </a:pPr>
-            <a:r>
-              <a:rPr lang="en-US" sz="2000" dirty="0">
-                <a:solidFill>
-                  <a:schemeClr val="tx1">
-                    <a:lumMod val="65000"/>
-                    <a:lumOff val="35000"/>
-                  </a:schemeClr>
-                </a:solidFill>
-                <a:latin typeface="Arial" pitchFamily="34" charset="0"/>
-                <a:cs typeface="Arial" pitchFamily="34" charset="0"/>
-              </a:rPr>
-              <a:t>Cleaner Component Structure:</a:t>
-            </a:r>
-          </a:p>
-          <a:p>
-            <a:pPr marL="457200" indent="-457200">
-              <a:spcAft>
-                <a:spcPts val="1200"/>
-              </a:spcAft>
-              <a:buFont typeface="Wingdings" pitchFamily="2" charset="2"/>
-              <a:buChar char="§"/>
-            </a:pPr>
-            <a:r>
-              <a:rPr lang="en-US" sz="2000" dirty="0">
-                <a:solidFill>
-                  <a:schemeClr val="tx1">
-                    <a:lumMod val="65000"/>
-                    <a:lumOff val="35000"/>
-                  </a:schemeClr>
-                </a:solidFill>
-                <a:latin typeface="Arial" pitchFamily="34" charset="0"/>
-                <a:cs typeface="Arial" pitchFamily="34" charset="0"/>
-              </a:rPr>
-              <a:t>By using </a:t>
-            </a:r>
-            <a:r>
-              <a:rPr lang="en-US" sz="2000" dirty="0" err="1">
-                <a:solidFill>
-                  <a:schemeClr val="tx1">
-                    <a:lumMod val="65000"/>
-                    <a:lumOff val="35000"/>
-                  </a:schemeClr>
-                </a:solidFill>
-                <a:latin typeface="Arial" pitchFamily="34" charset="0"/>
-                <a:cs typeface="Arial" pitchFamily="34" charset="0"/>
-              </a:rPr>
-              <a:t>useContext</a:t>
-            </a:r>
-            <a:r>
-              <a:rPr lang="en-US" sz="2000" dirty="0">
-                <a:solidFill>
-                  <a:schemeClr val="tx1">
-                    <a:lumMod val="65000"/>
-                    <a:lumOff val="35000"/>
-                  </a:schemeClr>
-                </a:solidFill>
-                <a:latin typeface="Arial" pitchFamily="34" charset="0"/>
-                <a:cs typeface="Arial" pitchFamily="34" charset="0"/>
-              </a:rPr>
-              <a:t>, you can keep your component tree cleaner and more readable by avoiding the clutter of passing props down through intermediary components.</a:t>
-            </a:r>
-          </a:p>
-          <a:p>
-            <a:pPr marL="457200" indent="-457200">
-              <a:spcAft>
-                <a:spcPts val="1200"/>
-              </a:spcAft>
-              <a:buFont typeface="Wingdings" pitchFamily="2" charset="2"/>
-              <a:buChar char="§"/>
-            </a:pPr>
-            <a:r>
-              <a:rPr lang="en-US" sz="2000" dirty="0">
-                <a:solidFill>
-                  <a:schemeClr val="tx1">
-                    <a:lumMod val="65000"/>
-                    <a:lumOff val="35000"/>
-                  </a:schemeClr>
-                </a:solidFill>
-                <a:latin typeface="Arial" pitchFamily="34" charset="0"/>
-                <a:cs typeface="Arial" pitchFamily="34" charset="0"/>
-              </a:rPr>
-              <a:t>Easy-to-Use API:</a:t>
-            </a:r>
-          </a:p>
-          <a:p>
-            <a:pPr marL="457200" indent="-457200">
-              <a:spcAft>
-                <a:spcPts val="1200"/>
-              </a:spcAft>
-              <a:buFont typeface="Wingdings" pitchFamily="2" charset="2"/>
-              <a:buChar char="§"/>
-            </a:pPr>
-            <a:r>
-              <a:rPr lang="en-US" sz="2000" dirty="0" err="1">
-                <a:solidFill>
-                  <a:schemeClr val="tx1">
-                    <a:lumMod val="65000"/>
-                    <a:lumOff val="35000"/>
-                  </a:schemeClr>
-                </a:solidFill>
-                <a:latin typeface="Arial" pitchFamily="34" charset="0"/>
-                <a:cs typeface="Arial" pitchFamily="34" charset="0"/>
-              </a:rPr>
-              <a:t>useContext</a:t>
-            </a:r>
-            <a:r>
-              <a:rPr lang="en-US" sz="2000" dirty="0">
-                <a:solidFill>
-                  <a:schemeClr val="tx1">
-                    <a:lumMod val="65000"/>
-                    <a:lumOff val="35000"/>
-                  </a:schemeClr>
-                </a:solidFill>
-                <a:latin typeface="Arial" pitchFamily="34" charset="0"/>
-                <a:cs typeface="Arial" pitchFamily="34" charset="0"/>
-              </a:rPr>
-              <a:t> provides a straightforward API for accessing context values within functional components, making it intuitive and easy to use.</a:t>
-            </a:r>
-          </a:p>
-          <a:p>
-            <a:pPr marL="457200" indent="-457200">
-              <a:spcAft>
-                <a:spcPts val="1200"/>
-              </a:spcAft>
-              <a:buFont typeface="Wingdings" pitchFamily="2" charset="2"/>
-              <a:buChar char="§"/>
-            </a:pPr>
-            <a:r>
-              <a:rPr lang="en-US" sz="2000" dirty="0">
-                <a:solidFill>
-                  <a:schemeClr val="tx1">
-                    <a:lumMod val="65000"/>
-                    <a:lumOff val="35000"/>
-                  </a:schemeClr>
-                </a:solidFill>
-                <a:latin typeface="Arial" pitchFamily="34" charset="0"/>
-                <a:cs typeface="Arial" pitchFamily="34" charset="0"/>
-              </a:rPr>
-              <a:t>'</a:t>
-            </a:r>
-            <a:r>
-              <a:rPr lang="en-US" sz="2000" dirty="0" err="1">
-                <a:solidFill>
-                  <a:schemeClr val="tx1">
-                    <a:lumMod val="65000"/>
-                    <a:lumOff val="35000"/>
-                  </a:schemeClr>
-                </a:solidFill>
-                <a:latin typeface="Arial" pitchFamily="34" charset="0"/>
-                <a:cs typeface="Arial" pitchFamily="34" charset="0"/>
-              </a:rPr>
-              <a:t>useContext</a:t>
-            </a:r>
-            <a:r>
-              <a:rPr lang="en-US" sz="2000">
-                <a:solidFill>
-                  <a:schemeClr val="tx1">
-                    <a:lumMod val="65000"/>
-                    <a:lumOff val="35000"/>
-                  </a:schemeClr>
-                </a:solidFill>
-                <a:latin typeface="Arial" pitchFamily="34" charset="0"/>
-                <a:cs typeface="Arial" pitchFamily="34" charset="0"/>
-              </a:rPr>
-              <a:t>' enhances the flexibility and scalability of your React applications by providing a convenient way to share and access global state or other shared data without the need for complex prop threading.</a:t>
-            </a:r>
-            <a:endParaRPr lang="en-US" sz="2000" dirty="0">
-              <a:solidFill>
-                <a:schemeClr val="tx1">
-                  <a:lumMod val="65000"/>
-                  <a:lumOff val="35000"/>
-                </a:schemeClr>
-              </a:solidFill>
-              <a:latin typeface="Arial" pitchFamily="34" charset="0"/>
-              <a:cs typeface="Arial" pitchFamily="34" charset="0"/>
-            </a:endParaRPr>
-          </a:p>
-        </p:txBody>
-      </p:sp>
-    </p:spTree>
-    <p:extLst>
-      <p:ext uri="{BB962C8B-B14F-4D97-AF65-F5344CB8AC3E}">
-        <p14:creationId xmlns:p14="http://schemas.microsoft.com/office/powerpoint/2010/main" val="3085040931"/>
-      </p:ext>
-    </p:extLst>
-  </p:cSld>
-  <p:clrMapOvr>
-    <a:masterClrMapping/>
-  </p:clrMapOvr>
-  <p:transition>
-    <p:push dir="d"/>
-  </p:transition>
-</p:sld>
-</file>
-
-<file path=ppt/slides/slide12.xml><?xml version="1.0" encoding="utf-8"?>
-<p:sld xmlns:a="http://schemas.openxmlformats.org/drawingml/2006/main" xmlns:r="http://schemas.openxmlformats.org/officeDocument/2006/relationships" xmlns:p="http://schemas.openxmlformats.org/presentationml/2006/main">
-  <p:cSld>
-    <p:spTree>
-      <p:nvGrpSpPr>
-        <p:cNvPr id="1" name=""/>
-        <p:cNvGrpSpPr/>
-        <p:nvPr/>
-      </p:nvGrpSpPr>
-      <p:grpSpPr>
-        <a:xfrm>
-          <a:off x="0" y="0"/>
-          <a:ext cx="0" cy="0"/>
-          <a:chOff x="0" y="0"/>
-          <a:chExt cx="0" cy="0"/>
-        </a:xfrm>
-      </p:grpSpPr>
-      <p:sp>
-        <p:nvSpPr>
-          <p:cNvPr id="4" name="Rectangle 3"/>
-          <p:cNvSpPr/>
-          <p:nvPr/>
-        </p:nvSpPr>
-        <p:spPr>
-          <a:xfrm>
-            <a:off x="0" y="0"/>
-            <a:ext cx="9144000" cy="609600"/>
-          </a:xfrm>
-          <a:prstGeom prst="rect">
-            <a:avLst/>
-          </a:prstGeom>
-        </p:spPr>
-        <p:style>
-          <a:lnRef idx="0">
-            <a:schemeClr val="accent1"/>
-          </a:lnRef>
-          <a:fillRef idx="3">
-            <a:schemeClr val="accent1"/>
-          </a:fillRef>
-          <a:effectRef idx="3">
-            <a:schemeClr val="accent1"/>
-          </a:effectRef>
-          <a:fontRef idx="minor">
-            <a:schemeClr val="lt1"/>
-          </a:fontRef>
-        </p:style>
-        <p:txBody>
-          <a:bodyPr rtlCol="0" anchor="ctr"/>
-          <a:lstStyle/>
-          <a:p>
-            <a:pPr algn="r"/>
-            <a:r>
-              <a:rPr lang="en-US" sz="2700" dirty="0">
-                <a:latin typeface="Berlin Sans FB Demi" pitchFamily="34" charset="0"/>
-              </a:rPr>
-              <a:t>React useReducer Hook</a:t>
-            </a:r>
-          </a:p>
-        </p:txBody>
-      </p:sp>
-      <p:sp>
-        <p:nvSpPr>
-          <p:cNvPr id="7" name="Content Placeholder 2"/>
-          <p:cNvSpPr txBox="1">
-            <a:spLocks/>
-          </p:cNvSpPr>
-          <p:nvPr/>
-        </p:nvSpPr>
-        <p:spPr>
-          <a:xfrm>
-            <a:off x="381000" y="685801"/>
-            <a:ext cx="8458200" cy="5867400"/>
-          </a:xfrm>
-          <a:prstGeom prst="rect">
-            <a:avLst/>
-          </a:prstGeom>
-        </p:spPr>
-        <p:txBody>
-          <a:bodyPr vert="horz" lIns="91440" tIns="45720" rIns="91440" bIns="45720" rtlCol="0">
-            <a:normAutofit fontScale="92500" lnSpcReduction="10000"/>
-          </a:bodyPr>
-          <a:lstStyle/>
-          <a:p>
-            <a:pPr marL="457200" indent="-457200">
-              <a:spcAft>
-                <a:spcPts val="1200"/>
-              </a:spcAft>
-              <a:buFont typeface="Wingdings" pitchFamily="2" charset="2"/>
-              <a:buChar char="§"/>
-            </a:pPr>
-            <a:r>
-              <a:rPr lang="en-US" sz="2000" dirty="0">
-                <a:solidFill>
-                  <a:schemeClr val="tx1">
-                    <a:lumMod val="65000"/>
-                    <a:lumOff val="35000"/>
-                  </a:schemeClr>
-                </a:solidFill>
-                <a:latin typeface="Arial" pitchFamily="34" charset="0"/>
-                <a:cs typeface="Arial" pitchFamily="34" charset="0"/>
-              </a:rPr>
-              <a:t>The </a:t>
-            </a:r>
-            <a:r>
-              <a:rPr lang="en-US" sz="2000" b="1" dirty="0">
-                <a:solidFill>
-                  <a:schemeClr val="tx1">
-                    <a:lumMod val="65000"/>
-                    <a:lumOff val="35000"/>
-                  </a:schemeClr>
-                </a:solidFill>
-                <a:latin typeface="Arial" pitchFamily="34" charset="0"/>
-                <a:cs typeface="Arial" pitchFamily="34" charset="0"/>
-              </a:rPr>
-              <a:t>useReducer</a:t>
-            </a:r>
-            <a:r>
-              <a:rPr lang="en-US" sz="2000" dirty="0">
-                <a:solidFill>
-                  <a:schemeClr val="tx1">
-                    <a:lumMod val="65000"/>
-                    <a:lumOff val="35000"/>
-                  </a:schemeClr>
-                </a:solidFill>
-                <a:latin typeface="Arial" pitchFamily="34" charset="0"/>
-                <a:cs typeface="Arial" pitchFamily="34" charset="0"/>
-              </a:rPr>
-              <a:t> hook is a state management hook in React that provides an alternative to the </a:t>
-            </a:r>
-            <a:r>
-              <a:rPr lang="en-US" sz="2000" b="1" dirty="0">
-                <a:solidFill>
-                  <a:schemeClr val="tx1">
-                    <a:lumMod val="65000"/>
-                    <a:lumOff val="35000"/>
-                  </a:schemeClr>
-                </a:solidFill>
-                <a:latin typeface="Arial" pitchFamily="34" charset="0"/>
-                <a:cs typeface="Arial" pitchFamily="34" charset="0"/>
-              </a:rPr>
-              <a:t>useState</a:t>
-            </a:r>
-            <a:r>
-              <a:rPr lang="en-US" sz="2000" dirty="0">
-                <a:solidFill>
-                  <a:schemeClr val="tx1">
-                    <a:lumMod val="65000"/>
-                    <a:lumOff val="35000"/>
-                  </a:schemeClr>
-                </a:solidFill>
-                <a:latin typeface="Arial" pitchFamily="34" charset="0"/>
-                <a:cs typeface="Arial" pitchFamily="34" charset="0"/>
-              </a:rPr>
-              <a:t> hook.</a:t>
-            </a:r>
-          </a:p>
-          <a:p>
-            <a:pPr marL="457200" indent="-457200">
-              <a:spcAft>
-                <a:spcPts val="1200"/>
-              </a:spcAft>
-              <a:buFont typeface="Wingdings" pitchFamily="2" charset="2"/>
-              <a:buChar char="§"/>
-            </a:pPr>
-            <a:r>
-              <a:rPr lang="en-US" sz="2000" dirty="0">
-                <a:solidFill>
-                  <a:schemeClr val="tx1">
-                    <a:lumMod val="65000"/>
-                    <a:lumOff val="35000"/>
-                  </a:schemeClr>
-                </a:solidFill>
-                <a:latin typeface="Arial" pitchFamily="34" charset="0"/>
-                <a:cs typeface="Arial" pitchFamily="34" charset="0"/>
-              </a:rPr>
-              <a:t>The </a:t>
-            </a:r>
-            <a:r>
-              <a:rPr lang="en-US" sz="2000" b="1" dirty="0">
-                <a:solidFill>
-                  <a:schemeClr val="tx1">
-                    <a:lumMod val="65000"/>
-                    <a:lumOff val="35000"/>
-                  </a:schemeClr>
-                </a:solidFill>
-                <a:latin typeface="Arial" pitchFamily="34" charset="0"/>
-                <a:cs typeface="Arial" pitchFamily="34" charset="0"/>
-              </a:rPr>
-              <a:t>useReducer</a:t>
-            </a:r>
-            <a:r>
-              <a:rPr lang="en-US" sz="2000" dirty="0">
-                <a:solidFill>
-                  <a:schemeClr val="tx1">
-                    <a:lumMod val="65000"/>
-                    <a:lumOff val="35000"/>
-                  </a:schemeClr>
-                </a:solidFill>
-                <a:latin typeface="Arial" pitchFamily="34" charset="0"/>
-                <a:cs typeface="Arial" pitchFamily="34" charset="0"/>
-              </a:rPr>
-              <a:t> Hook is the better alternative to the </a:t>
-            </a:r>
-            <a:r>
-              <a:rPr lang="en-US" sz="2000" b="1" dirty="0">
-                <a:solidFill>
-                  <a:schemeClr val="tx1">
-                    <a:lumMod val="65000"/>
-                    <a:lumOff val="35000"/>
-                  </a:schemeClr>
-                </a:solidFill>
-                <a:latin typeface="Arial" pitchFamily="34" charset="0"/>
-                <a:cs typeface="Arial" pitchFamily="34" charset="0"/>
-              </a:rPr>
-              <a:t>useState</a:t>
-            </a:r>
-            <a:r>
-              <a:rPr lang="en-US" sz="2000" dirty="0">
-                <a:solidFill>
-                  <a:schemeClr val="tx1">
-                    <a:lumMod val="65000"/>
-                    <a:lumOff val="35000"/>
-                  </a:schemeClr>
-                </a:solidFill>
-                <a:latin typeface="Arial" pitchFamily="34" charset="0"/>
-                <a:cs typeface="Arial" pitchFamily="34" charset="0"/>
-              </a:rPr>
-              <a:t> hook and is generally more preferred over the </a:t>
-            </a:r>
-            <a:r>
-              <a:rPr lang="en-US" sz="2000" b="1" dirty="0">
-                <a:solidFill>
-                  <a:schemeClr val="tx1">
-                    <a:lumMod val="65000"/>
-                    <a:lumOff val="35000"/>
-                  </a:schemeClr>
-                </a:solidFill>
-                <a:latin typeface="Arial" pitchFamily="34" charset="0"/>
-                <a:cs typeface="Arial" pitchFamily="34" charset="0"/>
-              </a:rPr>
-              <a:t>useState</a:t>
-            </a:r>
-            <a:r>
-              <a:rPr lang="en-US" sz="2000" dirty="0">
-                <a:solidFill>
-                  <a:schemeClr val="tx1">
-                    <a:lumMod val="65000"/>
-                    <a:lumOff val="35000"/>
-                  </a:schemeClr>
-                </a:solidFill>
-                <a:latin typeface="Arial" pitchFamily="34" charset="0"/>
-                <a:cs typeface="Arial" pitchFamily="34" charset="0"/>
-              </a:rPr>
-              <a:t> hook when you have complex state-building logic</a:t>
-            </a:r>
-          </a:p>
-          <a:p>
-            <a:pPr marL="457200" indent="-457200">
-              <a:spcAft>
-                <a:spcPts val="1200"/>
-              </a:spcAft>
-              <a:buFont typeface="Wingdings" pitchFamily="2" charset="2"/>
-              <a:buChar char="§"/>
-            </a:pPr>
-            <a:r>
-              <a:rPr lang="en-US" sz="2000" dirty="0">
-                <a:solidFill>
-                  <a:schemeClr val="tx1">
-                    <a:lumMod val="65000"/>
-                    <a:lumOff val="35000"/>
-                  </a:schemeClr>
-                </a:solidFill>
-                <a:latin typeface="Arial" pitchFamily="34" charset="0"/>
-                <a:cs typeface="Arial" pitchFamily="34" charset="0"/>
-              </a:rPr>
-              <a:t>The </a:t>
-            </a:r>
-            <a:r>
-              <a:rPr lang="en-US" sz="2000" b="1" dirty="0">
-                <a:solidFill>
-                  <a:schemeClr val="tx1">
-                    <a:lumMod val="65000"/>
-                    <a:lumOff val="35000"/>
-                  </a:schemeClr>
-                </a:solidFill>
-                <a:latin typeface="Arial" pitchFamily="34" charset="0"/>
-                <a:cs typeface="Arial" pitchFamily="34" charset="0"/>
-              </a:rPr>
-              <a:t>useReducer</a:t>
-            </a:r>
-            <a:r>
-              <a:rPr lang="en-US" sz="2000" dirty="0">
-                <a:solidFill>
-                  <a:schemeClr val="tx1">
-                    <a:lumMod val="65000"/>
-                    <a:lumOff val="35000"/>
-                  </a:schemeClr>
-                </a:solidFill>
-                <a:latin typeface="Arial" pitchFamily="34" charset="0"/>
-                <a:cs typeface="Arial" pitchFamily="34" charset="0"/>
-              </a:rPr>
-              <a:t> hook takes two arguments including reducer, initial state</a:t>
-            </a:r>
-          </a:p>
-          <a:p>
-            <a:pPr marL="457200" indent="-457200">
-              <a:spcAft>
-                <a:spcPts val="1200"/>
-              </a:spcAft>
-              <a:buFont typeface="Wingdings" pitchFamily="2" charset="2"/>
-              <a:buChar char="§"/>
-            </a:pPr>
-            <a:r>
-              <a:rPr lang="en-US" sz="2000" b="1" i="0" dirty="0">
-                <a:solidFill>
-                  <a:srgbClr val="273239"/>
-                </a:solidFill>
-                <a:effectLst/>
-                <a:highlight>
-                  <a:srgbClr val="FFFFFF"/>
-                </a:highlight>
-                <a:latin typeface="Nunito" pitchFamily="2" charset="0"/>
-              </a:rPr>
-              <a:t>Syntax:</a:t>
-            </a:r>
-            <a:endParaRPr lang="en-US" sz="2000" b="1" i="0" dirty="0">
-              <a:solidFill>
-                <a:schemeClr val="tx1">
-                  <a:lumMod val="65000"/>
-                  <a:lumOff val="35000"/>
-                </a:schemeClr>
-              </a:solidFill>
-              <a:effectLst/>
-              <a:highlight>
-                <a:srgbClr val="FFFFFF"/>
-              </a:highlight>
-              <a:latin typeface="Arial" pitchFamily="34" charset="0"/>
-              <a:cs typeface="Arial" pitchFamily="34" charset="0"/>
-            </a:endParaRPr>
-          </a:p>
-          <a:p>
-            <a:pPr marL="457200" indent="-457200">
-              <a:spcAft>
-                <a:spcPts val="1200"/>
-              </a:spcAft>
-              <a:buFont typeface="Wingdings" pitchFamily="2" charset="2"/>
-              <a:buChar char="§"/>
-            </a:pPr>
-            <a:r>
-              <a:rPr lang="en-US" sz="2000" b="1" dirty="0">
-                <a:solidFill>
-                  <a:schemeClr val="tx1">
-                    <a:lumMod val="65000"/>
-                    <a:lumOff val="35000"/>
-                  </a:schemeClr>
-                </a:solidFill>
-                <a:latin typeface="Arial" pitchFamily="34" charset="0"/>
-                <a:cs typeface="Arial" pitchFamily="34" charset="0"/>
-              </a:rPr>
-              <a:t>const [state, dispatch] = useReducer(reducer, initialState);</a:t>
-            </a:r>
-          </a:p>
-          <a:p>
-            <a:pPr marL="457200" indent="-457200">
-              <a:spcAft>
-                <a:spcPts val="1200"/>
-              </a:spcAft>
-              <a:buFont typeface="Wingdings" pitchFamily="2" charset="2"/>
-              <a:buChar char="§"/>
-            </a:pPr>
-            <a:r>
-              <a:rPr lang="en-US" sz="2000" b="1" dirty="0">
-                <a:solidFill>
-                  <a:schemeClr val="tx1">
-                    <a:lumMod val="65000"/>
-                    <a:lumOff val="35000"/>
-                  </a:schemeClr>
-                </a:solidFill>
-                <a:latin typeface="Arial" pitchFamily="34" charset="0"/>
-                <a:cs typeface="Arial" pitchFamily="34" charset="0"/>
-              </a:rPr>
-              <a:t>reducer: </a:t>
-            </a:r>
-            <a:r>
-              <a:rPr lang="en-US" sz="2000" dirty="0">
-                <a:solidFill>
-                  <a:schemeClr val="tx1">
-                    <a:lumMod val="65000"/>
-                    <a:lumOff val="35000"/>
-                  </a:schemeClr>
-                </a:solidFill>
-                <a:latin typeface="Arial" pitchFamily="34" charset="0"/>
-                <a:cs typeface="Arial" pitchFamily="34" charset="0"/>
-              </a:rPr>
-              <a:t>The reducer is a function responsible for defining how the state transitions from one state to another based on dispatched actions. It takes two arguments: the current state and the action being dispatched.</a:t>
-            </a:r>
-          </a:p>
-          <a:p>
-            <a:pPr marL="457200" indent="-457200">
-              <a:spcAft>
-                <a:spcPts val="1200"/>
-              </a:spcAft>
-              <a:buFont typeface="Wingdings" pitchFamily="2" charset="2"/>
-              <a:buChar char="§"/>
-            </a:pPr>
-            <a:r>
-              <a:rPr lang="en-US" sz="2000" b="1" dirty="0">
-                <a:solidFill>
-                  <a:schemeClr val="tx1">
-                    <a:lumMod val="65000"/>
-                    <a:lumOff val="35000"/>
-                  </a:schemeClr>
-                </a:solidFill>
-                <a:latin typeface="Arial" pitchFamily="34" charset="0"/>
-                <a:cs typeface="Arial" pitchFamily="34" charset="0"/>
-              </a:rPr>
-              <a:t>initialSate</a:t>
-            </a:r>
-            <a:r>
-              <a:rPr lang="en-US" sz="2000" dirty="0">
-                <a:solidFill>
-                  <a:schemeClr val="tx1">
-                    <a:lumMod val="65000"/>
-                    <a:lumOff val="35000"/>
-                  </a:schemeClr>
-                </a:solidFill>
-                <a:latin typeface="Arial" pitchFamily="34" charset="0"/>
-                <a:cs typeface="Arial" pitchFamily="34" charset="0"/>
-              </a:rPr>
-              <a:t>: initialState is the initial state value for the state managed by the reducer. It can be of any data type: object, array, number, string, etc.</a:t>
-            </a:r>
-          </a:p>
-          <a:p>
-            <a:pPr marL="457200" indent="-457200">
-              <a:spcAft>
-                <a:spcPts val="1200"/>
-              </a:spcAft>
-              <a:buFont typeface="Wingdings" pitchFamily="2" charset="2"/>
-              <a:buChar char="§"/>
-            </a:pPr>
-            <a:r>
-              <a:rPr lang="en-US" sz="2000" dirty="0">
-                <a:solidFill>
-                  <a:schemeClr val="tx1">
-                    <a:lumMod val="65000"/>
-                    <a:lumOff val="35000"/>
-                  </a:schemeClr>
-                </a:solidFill>
-                <a:latin typeface="Arial" pitchFamily="34" charset="0"/>
-                <a:cs typeface="Arial" pitchFamily="34" charset="0"/>
-              </a:rPr>
-              <a:t>The function which contains all your state updates is called the </a:t>
-            </a:r>
-            <a:r>
-              <a:rPr lang="en-US" sz="2000" b="1" dirty="0">
-                <a:solidFill>
-                  <a:schemeClr val="tx1">
-                    <a:lumMod val="65000"/>
-                    <a:lumOff val="35000"/>
-                  </a:schemeClr>
-                </a:solidFill>
-                <a:latin typeface="Arial" pitchFamily="34" charset="0"/>
-                <a:cs typeface="Arial" pitchFamily="34" charset="0"/>
-              </a:rPr>
-              <a:t>reducer</a:t>
-            </a:r>
-            <a:r>
-              <a:rPr lang="en-US" sz="2000" dirty="0">
-                <a:solidFill>
-                  <a:schemeClr val="tx1">
-                    <a:lumMod val="65000"/>
-                    <a:lumOff val="35000"/>
-                  </a:schemeClr>
-                </a:solidFill>
-                <a:latin typeface="Arial" pitchFamily="34" charset="0"/>
-                <a:cs typeface="Arial" pitchFamily="34" charset="0"/>
-              </a:rPr>
-              <a:t>.</a:t>
-            </a:r>
-          </a:p>
-          <a:p>
-            <a:pPr marL="457200" indent="-457200">
-              <a:spcAft>
-                <a:spcPts val="1200"/>
-              </a:spcAft>
-              <a:buFont typeface="Wingdings" pitchFamily="2" charset="2"/>
-              <a:buChar char="§"/>
-            </a:pPr>
-            <a:r>
-              <a:rPr lang="en-US" sz="2000" dirty="0">
-                <a:solidFill>
-                  <a:schemeClr val="tx1">
-                    <a:lumMod val="65000"/>
-                    <a:lumOff val="35000"/>
-                  </a:schemeClr>
-                </a:solidFill>
-                <a:latin typeface="Arial" pitchFamily="34" charset="0"/>
-                <a:cs typeface="Arial" pitchFamily="34" charset="0"/>
-              </a:rPr>
-              <a:t>The method you call to perform the operations is the </a:t>
-            </a:r>
-            <a:r>
-              <a:rPr lang="en-US" sz="2000" b="1" dirty="0">
-                <a:solidFill>
-                  <a:schemeClr val="tx1">
-                    <a:lumMod val="65000"/>
-                    <a:lumOff val="35000"/>
-                  </a:schemeClr>
-                </a:solidFill>
-                <a:latin typeface="Arial" pitchFamily="34" charset="0"/>
-                <a:cs typeface="Arial" pitchFamily="34" charset="0"/>
-              </a:rPr>
-              <a:t>dispatch</a:t>
-            </a:r>
-            <a:r>
-              <a:rPr lang="en-US" sz="2000" dirty="0">
-                <a:solidFill>
-                  <a:schemeClr val="tx1">
-                    <a:lumMod val="65000"/>
-                    <a:lumOff val="35000"/>
-                  </a:schemeClr>
-                </a:solidFill>
-                <a:latin typeface="Arial" pitchFamily="34" charset="0"/>
-                <a:cs typeface="Arial" pitchFamily="34" charset="0"/>
-              </a:rPr>
-              <a:t> method.</a:t>
-            </a:r>
-          </a:p>
-          <a:p>
-            <a:pPr marL="457200" indent="-457200">
-              <a:spcAft>
-                <a:spcPts val="1200"/>
-              </a:spcAft>
-              <a:buFont typeface="Wingdings" pitchFamily="2" charset="2"/>
-              <a:buChar char="§"/>
-            </a:pPr>
-            <a:endParaRPr lang="en-US" sz="2000" dirty="0">
-              <a:solidFill>
-                <a:schemeClr val="tx1">
-                  <a:lumMod val="65000"/>
-                  <a:lumOff val="35000"/>
-                </a:schemeClr>
-              </a:solidFill>
-              <a:latin typeface="Arial" pitchFamily="34" charset="0"/>
-              <a:cs typeface="Arial" pitchFamily="34" charset="0"/>
-            </a:endParaRPr>
-          </a:p>
-        </p:txBody>
-      </p:sp>
-    </p:spTree>
-    <p:extLst>
-      <p:ext uri="{BB962C8B-B14F-4D97-AF65-F5344CB8AC3E}">
-        <p14:creationId xmlns:p14="http://schemas.microsoft.com/office/powerpoint/2010/main" val="4019957755"/>
-      </p:ext>
-    </p:extLst>
   </p:cSld>
   <p:clrMapOvr>
     <a:masterClrMapping/>
